--- a/화면가이드.pptx
+++ b/화면가이드.pptx
@@ -1,17 +1,17 @@
 
 <file path=ppt/presentation.xml><?xml version="1.0" encoding="utf-8"?>
-<p:presentation xmlns:a="http://schemas.openxmlformats.org/drawingml/2006/main" xmlns:r="http://schemas.openxmlformats.org/officeDocument/2006/relationships" xmlns:p="http://schemas.openxmlformats.org/presentationml/2006/main" xmlns:p14="http://schemas.microsoft.com/office/powerpoint/2010/main" saveSubsetFonts="1">
+<p:presentation xmlns:a="http://schemas.openxmlformats.org/drawingml/2006/main" xmlns:r="http://schemas.openxmlformats.org/officeDocument/2006/relationships" xmlns:p="http://schemas.openxmlformats.org/presentationml/2006/main" saveSubsetFonts="1">
   <p:sldMasterIdLst>
-    <p:sldMasterId id="2147483837" r:id="rId13"/>
+    <p:sldMasterId id="2147483837" r:id="rId1"/>
   </p:sldMasterIdLst>
   <p:sldIdLst>
-    <p:sldId id="256" r:id="rId15"/>
-    <p:sldId id="257" r:id="rId16"/>
-    <p:sldId id="258" r:id="rId17"/>
-    <p:sldId id="260" r:id="rId18"/>
-    <p:sldId id="268" r:id="rId19"/>
-    <p:sldId id="270" r:id="rId20"/>
-    <p:sldId id="271" r:id="rId21"/>
+    <p:sldId id="256" r:id="rId2"/>
+    <p:sldId id="257" r:id="rId3"/>
+    <p:sldId id="258" r:id="rId4"/>
+    <p:sldId id="260" r:id="rId5"/>
+    <p:sldId id="268" r:id="rId6"/>
+    <p:sldId id="270" r:id="rId7"/>
+    <p:sldId id="271" r:id="rId8"/>
   </p:sldIdLst>
   <p:sldSz cx="12192000" cy="6858000"/>
   <p:notesSz cx="6858000" cy="9144000"/>
@@ -110,7 +110,11 @@
       </a:defRPr>
     </a:lvl9pPr>
   </p:defaultTextStyle>
-  <p:extLst/>
+  <p:extLst>
+    <p:ext uri="{EFAFB233-063F-42B5-8137-9DF3F51BA10A}">
+      <p15:sldGuideLst xmlns:p15="http://schemas.microsoft.com/office/powerpoint/2012/main"/>
+    </p:ext>
+  </p:extLst>
 </p:presentation>
 </file>
 
@@ -245,7 +249,7 @@
           <a:p>
             <a:fld id="{704ED396-0426-42FB-975C-09D94B5C5BE8}" type="datetimeFigureOut">
               <a:rPr lang="ko-KR" altLang="en-US" smtClean="0"/>
-              <a:t>2022-03-21</a:t>
+              <a:t>2022-04-11</a:t>
             </a:fld>
             <a:endParaRPr lang="ko-KR" altLang="en-US"/>
           </a:p>
@@ -415,7 +419,7 @@
           <a:p>
             <a:fld id="{704ED396-0426-42FB-975C-09D94B5C5BE8}" type="datetimeFigureOut">
               <a:rPr lang="ko-KR" altLang="en-US" smtClean="0"/>
-              <a:t>2022-03-21</a:t>
+              <a:t>2022-04-11</a:t>
             </a:fld>
             <a:endParaRPr lang="ko-KR" altLang="en-US"/>
           </a:p>
@@ -595,7 +599,7 @@
           <a:p>
             <a:fld id="{704ED396-0426-42FB-975C-09D94B5C5BE8}" type="datetimeFigureOut">
               <a:rPr lang="ko-KR" altLang="en-US" smtClean="0"/>
-              <a:t>2022-03-21</a:t>
+              <a:t>2022-04-11</a:t>
             </a:fld>
             <a:endParaRPr lang="ko-KR" altLang="en-US"/>
           </a:p>
@@ -765,7 +769,7 @@
           <a:p>
             <a:fld id="{704ED396-0426-42FB-975C-09D94B5C5BE8}" type="datetimeFigureOut">
               <a:rPr lang="ko-KR" altLang="en-US" smtClean="0"/>
-              <a:t>2022-03-21</a:t>
+              <a:t>2022-04-11</a:t>
             </a:fld>
             <a:endParaRPr lang="ko-KR" altLang="en-US"/>
           </a:p>
@@ -1011,7 +1015,7 @@
           <a:p>
             <a:fld id="{704ED396-0426-42FB-975C-09D94B5C5BE8}" type="datetimeFigureOut">
               <a:rPr lang="ko-KR" altLang="en-US" smtClean="0"/>
-              <a:t>2022-03-21</a:t>
+              <a:t>2022-04-11</a:t>
             </a:fld>
             <a:endParaRPr lang="ko-KR" altLang="en-US"/>
           </a:p>
@@ -1243,7 +1247,7 @@
           <a:p>
             <a:fld id="{704ED396-0426-42FB-975C-09D94B5C5BE8}" type="datetimeFigureOut">
               <a:rPr lang="ko-KR" altLang="en-US" smtClean="0"/>
-              <a:t>2022-03-21</a:t>
+              <a:t>2022-04-11</a:t>
             </a:fld>
             <a:endParaRPr lang="ko-KR" altLang="en-US"/>
           </a:p>
@@ -1610,7 +1614,7 @@
           <a:p>
             <a:fld id="{704ED396-0426-42FB-975C-09D94B5C5BE8}" type="datetimeFigureOut">
               <a:rPr lang="ko-KR" altLang="en-US" smtClean="0"/>
-              <a:t>2022-03-21</a:t>
+              <a:t>2022-04-11</a:t>
             </a:fld>
             <a:endParaRPr lang="ko-KR" altLang="en-US"/>
           </a:p>
@@ -1728,7 +1732,7 @@
           <a:p>
             <a:fld id="{704ED396-0426-42FB-975C-09D94B5C5BE8}" type="datetimeFigureOut">
               <a:rPr lang="ko-KR" altLang="en-US" smtClean="0"/>
-              <a:t>2022-03-21</a:t>
+              <a:t>2022-04-11</a:t>
             </a:fld>
             <a:endParaRPr lang="ko-KR" altLang="en-US"/>
           </a:p>
@@ -1823,7 +1827,7 @@
           <a:p>
             <a:fld id="{704ED396-0426-42FB-975C-09D94B5C5BE8}" type="datetimeFigureOut">
               <a:rPr lang="ko-KR" altLang="en-US" smtClean="0"/>
-              <a:t>2022-03-21</a:t>
+              <a:t>2022-04-11</a:t>
             </a:fld>
             <a:endParaRPr lang="ko-KR" altLang="en-US"/>
           </a:p>
@@ -2100,7 +2104,7 @@
           <a:p>
             <a:fld id="{704ED396-0426-42FB-975C-09D94B5C5BE8}" type="datetimeFigureOut">
               <a:rPr lang="ko-KR" altLang="en-US" smtClean="0"/>
-              <a:t>2022-03-21</a:t>
+              <a:t>2022-04-11</a:t>
             </a:fld>
             <a:endParaRPr lang="ko-KR" altLang="en-US"/>
           </a:p>
@@ -2353,7 +2357,7 @@
           <a:p>
             <a:fld id="{704ED396-0426-42FB-975C-09D94B5C5BE8}" type="datetimeFigureOut">
               <a:rPr lang="ko-KR" altLang="en-US" smtClean="0"/>
-              <a:t>2022-03-21</a:t>
+              <a:t>2022-04-11</a:t>
             </a:fld>
             <a:endParaRPr lang="ko-KR" altLang="en-US"/>
           </a:p>
@@ -2566,7 +2570,7 @@
           <a:p>
             <a:fld id="{704ED396-0426-42FB-975C-09D94B5C5BE8}" type="datetimeFigureOut">
               <a:rPr lang="ko-KR" altLang="en-US" smtClean="0"/>
-              <a:t>2022-03-21</a:t>
+              <a:t>2022-04-11</a:t>
             </a:fld>
             <a:endParaRPr lang="ko-KR" altLang="en-US"/>
           </a:p>
@@ -2955,7 +2959,7 @@
 </file>
 
 <file path=ppt/slides/slide1.xml><?xml version="1.0" encoding="utf-8"?>
-<p:sld xmlns:a="http://schemas.openxmlformats.org/drawingml/2006/main" xmlns:r="http://schemas.openxmlformats.org/officeDocument/2006/relationships" xmlns:p="http://schemas.openxmlformats.org/presentationml/2006/main" xmlns:p14="http://schemas.microsoft.com/office/powerpoint/2010/main">
+<p:sld xmlns:a="http://schemas.openxmlformats.org/drawingml/2006/main" xmlns:r="http://schemas.openxmlformats.org/officeDocument/2006/relationships" xmlns:p="http://schemas.openxmlformats.org/presentationml/2006/main">
   <p:cSld>
     <p:spTree>
       <p:nvGrpSpPr>
@@ -2979,7 +2983,7 @@
         </p:nvGrpSpPr>
         <p:grpSpPr>
           <a:xfrm>
-            <a:off x="635" y="0"/>
+            <a:off x="117013" y="-141316"/>
             <a:ext cx="12192635" cy="6858635"/>
             <a:chOff x="635" y="0"/>
             <a:chExt cx="12192635" cy="6858635"/>
@@ -2994,11 +2998,13 @@
             <p:nvPr/>
           </p:nvSpPr>
           <p:spPr>
-            <a:xfrm rot="0">
+            <a:xfrm>
               <a:off x="635" y="0"/>
               <a:ext cx="12193270" cy="6859270"/>
             </a:xfrm>
-            <a:prstGeom prst="rect"/>
+            <a:prstGeom prst="rect">
+              <a:avLst/>
+            </a:prstGeom>
             <a:solidFill>
               <a:srgbClr val="FAFAFA"/>
             </a:solidFill>
@@ -3024,7 +3030,7 @@
             </a:fontRef>
           </p:style>
           <p:txBody>
-            <a:bodyPr wrap="square" lIns="91440" tIns="45720" rIns="91440" bIns="45720" numCol="1" vert="horz" anchor="ctr">
+            <a:bodyPr vert="horz" wrap="square" lIns="91440" tIns="45720" rIns="91440" bIns="45720" numCol="1" anchor="ctr">
               <a:noAutofit/>
             </a:bodyPr>
             <a:lstStyle/>
@@ -3060,7 +3066,7 @@
               <p:nvPr/>
             </p:nvPicPr>
             <p:blipFill rotWithShape="1">
-              <a:blip r:embed="rId3" cstate="hqprint">
+              <a:blip r:embed="rId2" cstate="hqprint">
                 <a:extLst>
                   <a:ext uri="{28A0092B-C50C-407E-A947-70E740481C1C}">
                     <a14:useLocalDpi xmlns:a14="http://schemas.microsoft.com/office/drawing/2010/main"/>
@@ -3072,11 +3078,13 @@
               </a:stretch>
             </p:blipFill>
             <p:spPr>
-              <a:xfrm rot="0">
+              <a:xfrm>
                 <a:off x="4253230" y="602615"/>
                 <a:ext cx="3687445" cy="4173220"/>
               </a:xfrm>
-              <a:prstGeom prst="rect"/>
+              <a:prstGeom prst="rect">
+                <a:avLst/>
+              </a:prstGeom>
               <a:noFill/>
             </p:spPr>
           </p:pic>
@@ -3089,7 +3097,7 @@
               <p:nvPr/>
             </p:nvPicPr>
             <p:blipFill rotWithShape="1">
-              <a:blip r:embed="rId4" cstate="hqprint">
+              <a:blip r:embed="rId3" cstate="hqprint">
                 <a:extLst>
                   <a:ext uri="{28A0092B-C50C-407E-A947-70E740481C1C}">
                     <a14:useLocalDpi xmlns:a14="http://schemas.microsoft.com/office/drawing/2010/main"/>
@@ -3102,11 +3110,13 @@
               </a:stretch>
             </p:blipFill>
             <p:spPr>
-              <a:xfrm rot="0">
+              <a:xfrm>
                 <a:off x="4098290" y="6153150"/>
                 <a:ext cx="4116070" cy="701675"/>
               </a:xfrm>
-              <a:prstGeom prst="rect"/>
+              <a:prstGeom prst="rect">
+                <a:avLst/>
+              </a:prstGeom>
               <a:noFill/>
             </p:spPr>
           </p:pic>
@@ -3121,15 +3131,17 @@
           <p:nvPr/>
         </p:nvSpPr>
         <p:spPr>
-          <a:xfrm rot="0">
+          <a:xfrm>
             <a:off x="208280" y="170180"/>
-            <a:ext cx="877570" cy="370205"/>
-          </a:xfrm>
-          <a:prstGeom prst="rect"/>
+            <a:ext cx="4091761" cy="5355312"/>
+          </a:xfrm>
+          <a:prstGeom prst="rect">
+            <a:avLst/>
+          </a:prstGeom>
           <a:noFill/>
         </p:spPr>
         <p:txBody>
-          <a:bodyPr wrap="none" lIns="91440" tIns="45720" rIns="91440" bIns="45720" numCol="1" vert="horz" anchor="t">
+          <a:bodyPr vert="horz" wrap="none" lIns="91440" tIns="45720" rIns="91440" bIns="45720" numCol="1" anchor="t">
             <a:spAutoFit/>
           </a:bodyPr>
           <a:lstStyle/>
@@ -3139,10 +3151,237 @@
               <a:buNone/>
             </a:pPr>
             <a:r>
-              <a:rPr lang="ko-KR" altLang="en-US"/>
+              <a:rPr lang="ko-KR" altLang="en-US" dirty="0" smtClean="0"/>
               <a:t>로그인</a:t>
             </a:r>
-            <a:endParaRPr lang="ko-KR" altLang="en-US"/>
+            <a:endParaRPr lang="en-US" altLang="ko-KR" dirty="0" smtClean="0"/>
+          </a:p>
+          <a:p>
+            <a:pPr marL="0" indent="0" latinLnBrk="0">
+              <a:buFontTx/>
+              <a:buNone/>
+            </a:pPr>
+            <a:endParaRPr lang="en-US" altLang="ko-KR" dirty="0"/>
+          </a:p>
+          <a:p>
+            <a:pPr marL="0" indent="0" latinLnBrk="0">
+              <a:buFontTx/>
+              <a:buNone/>
+            </a:pPr>
+            <a:r>
+              <a:rPr lang="en-US" altLang="ko-KR" dirty="0" smtClean="0"/>
+              <a:t>Html </a:t>
+            </a:r>
+          </a:p>
+          <a:p>
+            <a:pPr marL="0" indent="0" latinLnBrk="0">
+              <a:buFontTx/>
+              <a:buNone/>
+            </a:pPr>
+            <a:r>
+              <a:rPr lang="en-US" altLang="ko-KR" dirty="0" smtClean="0"/>
+              <a:t>&lt;h1&gt;&lt;/h1&gt;</a:t>
+            </a:r>
+          </a:p>
+          <a:p>
+            <a:pPr marL="0" indent="0" latinLnBrk="0">
+              <a:buFontTx/>
+              <a:buNone/>
+            </a:pPr>
+            <a:r>
+              <a:rPr lang="en-US" altLang="ko-KR" dirty="0" smtClean="0"/>
+              <a:t>&lt;a </a:t>
+            </a:r>
+            <a:r>
+              <a:rPr lang="en-US" altLang="ko-KR" dirty="0" err="1" smtClean="0"/>
+              <a:t>href</a:t>
+            </a:r>
+            <a:r>
+              <a:rPr lang="en-US" altLang="ko-KR" dirty="0" smtClean="0"/>
+              <a:t>=“”&gt;&lt;/a&gt;</a:t>
+            </a:r>
+          </a:p>
+          <a:p>
+            <a:pPr marL="0" indent="0" latinLnBrk="0">
+              <a:buFontTx/>
+              <a:buNone/>
+            </a:pPr>
+            <a:r>
+              <a:rPr lang="en-US" altLang="ko-KR" dirty="0" smtClean="0"/>
+              <a:t>&lt;</a:t>
+            </a:r>
+            <a:r>
+              <a:rPr lang="en-US" altLang="ko-KR" dirty="0" err="1" smtClean="0"/>
+              <a:t>img</a:t>
+            </a:r>
+            <a:r>
+              <a:rPr lang="en-US" altLang="ko-KR" dirty="0" smtClean="0"/>
+              <a:t> </a:t>
+            </a:r>
+            <a:r>
+              <a:rPr lang="en-US" altLang="ko-KR" dirty="0" err="1" smtClean="0"/>
+              <a:t>src</a:t>
+            </a:r>
+            <a:r>
+              <a:rPr lang="en-US" altLang="ko-KR" dirty="0" smtClean="0"/>
+              <a:t>=“”&gt;</a:t>
+            </a:r>
+          </a:p>
+          <a:p>
+            <a:pPr marL="0" indent="0" latinLnBrk="0">
+              <a:buFontTx/>
+              <a:buNone/>
+            </a:pPr>
+            <a:r>
+              <a:rPr lang="en-US" altLang="ko-KR" dirty="0" smtClean="0"/>
+              <a:t>&lt;input type=”text” placeholder=“”&gt;</a:t>
+            </a:r>
+          </a:p>
+          <a:p>
+            <a:pPr marL="0" indent="0" latinLnBrk="0">
+              <a:buFontTx/>
+              <a:buNone/>
+            </a:pPr>
+            <a:r>
+              <a:rPr lang="en-US" altLang="ko-KR" dirty="0" smtClean="0"/>
+              <a:t>&lt;div&gt;&lt;/div&gt;</a:t>
+            </a:r>
+          </a:p>
+          <a:p>
+            <a:pPr marL="0" indent="0" latinLnBrk="0">
+              <a:buFontTx/>
+              <a:buNone/>
+            </a:pPr>
+            <a:r>
+              <a:rPr lang="en-US" altLang="ko-KR" dirty="0" smtClean="0"/>
+              <a:t>&lt;span&gt;&lt;/span&gt;</a:t>
+            </a:r>
+          </a:p>
+          <a:p>
+            <a:pPr marL="0" indent="0" latinLnBrk="0">
+              <a:buFontTx/>
+              <a:buNone/>
+            </a:pPr>
+            <a:r>
+              <a:rPr lang="en-US" altLang="ko-KR" dirty="0" smtClean="0"/>
+              <a:t>&lt;footer&gt;&lt;/footer&gt;</a:t>
+            </a:r>
+          </a:p>
+          <a:p>
+            <a:pPr marL="0" indent="0" latinLnBrk="0">
+              <a:buFontTx/>
+              <a:buNone/>
+            </a:pPr>
+            <a:endParaRPr lang="en-US" altLang="ko-KR" dirty="0"/>
+          </a:p>
+          <a:p>
+            <a:pPr marL="0" indent="0" latinLnBrk="0">
+              <a:buFontTx/>
+              <a:buNone/>
+            </a:pPr>
+            <a:r>
+              <a:rPr lang="en-US" altLang="ko-KR" dirty="0" err="1" smtClean="0"/>
+              <a:t>Css</a:t>
+            </a:r>
+            <a:endParaRPr lang="en-US" altLang="ko-KR" dirty="0" smtClean="0"/>
+          </a:p>
+          <a:p>
+            <a:pPr marL="0" indent="0" latinLnBrk="0">
+              <a:buFontTx/>
+              <a:buNone/>
+            </a:pPr>
+            <a:r>
+              <a:rPr lang="en-US" altLang="ko-KR" dirty="0"/>
+              <a:t>c</a:t>
+            </a:r>
+            <a:r>
+              <a:rPr lang="en-US" altLang="ko-KR" dirty="0" smtClean="0"/>
+              <a:t>olor/font-size/font-weight/text-align</a:t>
+            </a:r>
+          </a:p>
+          <a:p>
+            <a:pPr marL="0" indent="0" latinLnBrk="0">
+              <a:buFontTx/>
+              <a:buNone/>
+            </a:pPr>
+            <a:r>
+              <a:rPr lang="en-US" altLang="ko-KR" dirty="0"/>
+              <a:t>p</a:t>
+            </a:r>
+            <a:r>
+              <a:rPr lang="en-US" altLang="ko-KR" dirty="0" smtClean="0"/>
+              <a:t>adding/margin</a:t>
+            </a:r>
+          </a:p>
+          <a:p>
+            <a:pPr marL="0" indent="0" latinLnBrk="0">
+              <a:buFontTx/>
+              <a:buNone/>
+            </a:pPr>
+            <a:r>
+              <a:rPr lang="en-US" altLang="ko-KR" dirty="0"/>
+              <a:t>w</a:t>
+            </a:r>
+            <a:r>
+              <a:rPr lang="en-US" altLang="ko-KR" dirty="0" smtClean="0"/>
+              <a:t>idth/min-height</a:t>
+            </a:r>
+          </a:p>
+          <a:p>
+            <a:pPr marL="0" indent="0" latinLnBrk="0">
+              <a:buFontTx/>
+              <a:buNone/>
+            </a:pPr>
+            <a:r>
+              <a:rPr lang="en-US" altLang="ko-KR" dirty="0"/>
+              <a:t>b</a:t>
+            </a:r>
+            <a:r>
+              <a:rPr lang="en-US" altLang="ko-KR" dirty="0" smtClean="0"/>
+              <a:t>order</a:t>
+            </a:r>
+          </a:p>
+          <a:p>
+            <a:pPr marL="0" indent="0" latinLnBrk="0">
+              <a:buFontTx/>
+              <a:buNone/>
+            </a:pPr>
+            <a:r>
+              <a:rPr lang="en-US" altLang="ko-KR" dirty="0"/>
+              <a:t>b</a:t>
+            </a:r>
+            <a:r>
+              <a:rPr lang="en-US" altLang="ko-KR" dirty="0" smtClean="0"/>
+              <a:t>ackground</a:t>
+            </a:r>
+          </a:p>
+          <a:p>
+            <a:pPr marL="0" indent="0" latinLnBrk="0">
+              <a:buFontTx/>
+              <a:buNone/>
+            </a:pPr>
+            <a:r>
+              <a:rPr lang="en-US" altLang="ko-KR" dirty="0"/>
+              <a:t>b</a:t>
+            </a:r>
+            <a:r>
+              <a:rPr lang="en-US" altLang="ko-KR" dirty="0" smtClean="0"/>
+              <a:t>order-radius</a:t>
+            </a:r>
+          </a:p>
+          <a:p>
+            <a:pPr marL="0" indent="0" latinLnBrk="0">
+              <a:buFontTx/>
+              <a:buNone/>
+            </a:pPr>
+            <a:r>
+              <a:rPr lang="en-US" altLang="ko-KR" dirty="0"/>
+              <a:t>d</a:t>
+            </a:r>
+            <a:r>
+              <a:rPr lang="en-US" altLang="ko-KR" dirty="0" smtClean="0"/>
+              <a:t>isplay : block/inline-block</a:t>
+            </a:r>
           </a:p>
         </p:txBody>
       </p:sp>
@@ -3156,11 +3395,11 @@
   <p:clrMapOvr>
     <a:masterClrMapping/>
   </p:clrMapOvr>
-  <mc:AlternateContent xmlns:mc="http://schemas.openxmlformats.org/markup-compatibility/2006">
-    <mc:Choice xmlns:p14="http://schemas.microsoft.com/office/powerpoint/2010/main" Requires="p14">
+  <mc:AlternateContent xmlns:mc="http://schemas.openxmlformats.org/markup-compatibility/2006" xmlns:p14="http://schemas.microsoft.com/office/powerpoint/2010/main">
+    <mc:Choice Requires="p14">
       <p:transition spd="slow" p14:dur="2000"/>
     </mc:Choice>
-    <mc:Fallback>
+    <mc:Fallback xmlns="">
       <p:transition spd="slow"/>
     </mc:Fallback>
   </mc:AlternateContent>
@@ -3175,7 +3414,7 @@
 </file>
 
 <file path=ppt/slides/slide2.xml><?xml version="1.0" encoding="utf-8"?>
-<p:sld xmlns:a="http://schemas.openxmlformats.org/drawingml/2006/main" xmlns:r="http://schemas.openxmlformats.org/officeDocument/2006/relationships" xmlns:p="http://schemas.openxmlformats.org/presentationml/2006/main" xmlns:p14="http://schemas.microsoft.com/office/powerpoint/2010/main">
+<p:sld xmlns:a="http://schemas.openxmlformats.org/drawingml/2006/main" xmlns:r="http://schemas.openxmlformats.org/officeDocument/2006/relationships" xmlns:p="http://schemas.openxmlformats.org/presentationml/2006/main">
   <p:cSld>
     <p:spTree>
       <p:nvGrpSpPr>
@@ -3200,11 +3439,13 @@
           <p:nvPr/>
         </p:nvSpPr>
         <p:spPr>
-          <a:xfrm rot="0">
+          <a:xfrm>
             <a:off x="0" y="0"/>
             <a:ext cx="12193270" cy="6859270"/>
           </a:xfrm>
-          <a:prstGeom prst="rect"/>
+          <a:prstGeom prst="rect">
+            <a:avLst/>
+          </a:prstGeom>
           <a:solidFill>
             <a:srgbClr val="FAFAFA"/>
           </a:solidFill>
@@ -3230,7 +3471,7 @@
           </a:fontRef>
         </p:style>
         <p:txBody>
-          <a:bodyPr wrap="square" lIns="91440" tIns="45720" rIns="91440" bIns="45720" numCol="1" vert="horz" anchor="ctr">
+          <a:bodyPr vert="horz" wrap="square" lIns="91440" tIns="45720" rIns="91440" bIns="45720" numCol="1" anchor="ctr">
             <a:noAutofit/>
           </a:bodyPr>
           <a:lstStyle/>
@@ -3287,7 +3528,6 @@
               <a:rPr lang="ko-KR" altLang="en-US"/>
               <a:t>- 목록 최대 6개 고정(최신)  </a:t>
             </a:r>
-            <a:endParaRPr lang="ko-KR" altLang="en-US"/>
           </a:p>
         </p:txBody>
       </p:sp>
@@ -3300,15 +3540,17 @@
           <p:nvPr/>
         </p:nvSpPr>
         <p:spPr>
-          <a:xfrm rot="0">
+          <a:xfrm>
             <a:off x="229870" y="153035"/>
-            <a:ext cx="1108710" cy="370205"/>
-          </a:xfrm>
-          <a:prstGeom prst="rect"/>
+            <a:ext cx="3951403" cy="5909310"/>
+          </a:xfrm>
+          <a:prstGeom prst="rect">
+            <a:avLst/>
+          </a:prstGeom>
           <a:noFill/>
         </p:spPr>
         <p:txBody>
-          <a:bodyPr wrap="none" lIns="91440" tIns="45720" rIns="91440" bIns="45720" numCol="1" vert="horz" anchor="t">
+          <a:bodyPr vert="horz" wrap="none" lIns="91440" tIns="45720" rIns="91440" bIns="45720" numCol="1" anchor="t">
             <a:spAutoFit/>
           </a:bodyPr>
           <a:lstStyle/>
@@ -3318,10 +3560,191 @@
               <a:buNone/>
             </a:pPr>
             <a:r>
-              <a:rPr lang="ko-KR" altLang="en-US"/>
+              <a:rPr lang="ko-KR" altLang="en-US" dirty="0" smtClean="0"/>
               <a:t>회원가입</a:t>
             </a:r>
-            <a:endParaRPr lang="ko-KR" altLang="en-US"/>
+            <a:endParaRPr lang="en-US" altLang="ko-KR" dirty="0" smtClean="0"/>
+          </a:p>
+          <a:p>
+            <a:pPr marL="0" indent="0" latinLnBrk="0">
+              <a:buFontTx/>
+              <a:buNone/>
+            </a:pPr>
+            <a:endParaRPr lang="en-US" altLang="ko-KR" dirty="0"/>
+          </a:p>
+          <a:p>
+            <a:pPr marL="0" indent="0" latinLnBrk="0">
+              <a:buFontTx/>
+              <a:buNone/>
+            </a:pPr>
+            <a:r>
+              <a:rPr lang="en-US" altLang="ko-KR" dirty="0" smtClean="0"/>
+              <a:t>Html</a:t>
+            </a:r>
+            <a:endParaRPr lang="en-US" altLang="ko-KR" dirty="0"/>
+          </a:p>
+          <a:p>
+            <a:pPr marL="0" indent="0" latinLnBrk="0">
+              <a:buFontTx/>
+              <a:buNone/>
+            </a:pPr>
+            <a:r>
+              <a:rPr lang="en-US" altLang="ko-KR" dirty="0" smtClean="0"/>
+              <a:t>Label for=“”</a:t>
+            </a:r>
+          </a:p>
+          <a:p>
+            <a:pPr marL="0" indent="0" latinLnBrk="0">
+              <a:buFontTx/>
+              <a:buNone/>
+            </a:pPr>
+            <a:r>
+              <a:rPr lang="en-US" altLang="ko-KR" dirty="0" smtClean="0"/>
+              <a:t>Input type=“file”</a:t>
+            </a:r>
+          </a:p>
+          <a:p>
+            <a:pPr marL="0" indent="0" latinLnBrk="0">
+              <a:buFontTx/>
+              <a:buNone/>
+            </a:pPr>
+            <a:r>
+              <a:rPr lang="en-US" altLang="ko-KR" dirty="0" err="1" smtClean="0"/>
+              <a:t>Img</a:t>
+            </a:r>
+            <a:r>
+              <a:rPr lang="en-US" altLang="ko-KR" dirty="0" smtClean="0"/>
+              <a:t> </a:t>
+            </a:r>
+            <a:r>
+              <a:rPr lang="en-US" altLang="ko-KR" dirty="0" err="1" smtClean="0"/>
+              <a:t>src</a:t>
+            </a:r>
+            <a:r>
+              <a:rPr lang="en-US" altLang="ko-KR" dirty="0" smtClean="0"/>
+              <a:t>=“”</a:t>
+            </a:r>
+          </a:p>
+          <a:p>
+            <a:pPr latinLnBrk="0"/>
+            <a:r>
+              <a:rPr lang="en-US" altLang="ko-KR" dirty="0"/>
+              <a:t>&lt;input type=”text” placeholder=“”&gt;</a:t>
+            </a:r>
+          </a:p>
+          <a:p>
+            <a:pPr marL="0" indent="0" latinLnBrk="0">
+              <a:buFontTx/>
+              <a:buNone/>
+            </a:pPr>
+            <a:r>
+              <a:rPr lang="en-US" altLang="ko-KR" dirty="0" smtClean="0"/>
+              <a:t>&lt;a </a:t>
+            </a:r>
+            <a:r>
+              <a:rPr lang="en-US" altLang="ko-KR" dirty="0" err="1" smtClean="0"/>
+              <a:t>href</a:t>
+            </a:r>
+            <a:r>
+              <a:rPr lang="en-US" altLang="ko-KR" dirty="0" smtClean="0"/>
+              <a:t>=“”&gt;&lt;/a&gt;</a:t>
+            </a:r>
+          </a:p>
+          <a:p>
+            <a:pPr marL="0" indent="0" latinLnBrk="0">
+              <a:buFontTx/>
+              <a:buNone/>
+            </a:pPr>
+            <a:r>
+              <a:rPr lang="en-US" altLang="ko-KR" dirty="0" smtClean="0"/>
+              <a:t>&lt;div&gt;&lt;/div&gt;</a:t>
+            </a:r>
+          </a:p>
+          <a:p>
+            <a:pPr latinLnBrk="0"/>
+            <a:r>
+              <a:rPr lang="en-US" altLang="ko-KR" dirty="0" smtClean="0"/>
+              <a:t>&lt;strong&gt;&lt;/strong&gt;</a:t>
+            </a:r>
+          </a:p>
+          <a:p>
+            <a:pPr latinLnBrk="0"/>
+            <a:endParaRPr lang="en-US" altLang="ko-KR" dirty="0"/>
+          </a:p>
+          <a:p>
+            <a:pPr latinLnBrk="0"/>
+            <a:r>
+              <a:rPr lang="en-US" altLang="ko-KR" dirty="0" err="1" smtClean="0"/>
+              <a:t>Css</a:t>
+            </a:r>
+            <a:endParaRPr lang="en-US" altLang="ko-KR" dirty="0"/>
+          </a:p>
+          <a:p>
+            <a:pPr latinLnBrk="0"/>
+            <a:r>
+              <a:rPr lang="en-US" altLang="ko-KR" dirty="0" smtClean="0"/>
+              <a:t>display: flex</a:t>
+            </a:r>
+          </a:p>
+          <a:p>
+            <a:pPr latinLnBrk="0"/>
+            <a:r>
+              <a:rPr lang="en-US" altLang="ko-KR" dirty="0" smtClean="0"/>
+              <a:t>justify-content: center</a:t>
+            </a:r>
+          </a:p>
+          <a:p>
+            <a:pPr latinLnBrk="0"/>
+            <a:r>
+              <a:rPr lang="en-US" altLang="ko-KR" dirty="0"/>
+              <a:t>a</a:t>
+            </a:r>
+            <a:r>
+              <a:rPr lang="en-US" altLang="ko-KR" dirty="0" smtClean="0"/>
+              <a:t>lign-items: center</a:t>
+            </a:r>
+          </a:p>
+          <a:p>
+            <a:pPr latinLnBrk="0"/>
+            <a:r>
+              <a:rPr lang="en-US" altLang="ko-KR" dirty="0" smtClean="0"/>
+              <a:t>:nth-child</a:t>
+            </a:r>
+          </a:p>
+          <a:p>
+            <a:pPr latinLnBrk="0"/>
+            <a:endParaRPr lang="en-US" altLang="ko-KR" dirty="0"/>
+          </a:p>
+          <a:p>
+            <a:pPr latinLnBrk="0"/>
+            <a:r>
+              <a:rPr lang="en-US" altLang="ko-KR" dirty="0" err="1"/>
+              <a:t>c</a:t>
+            </a:r>
+            <a:r>
+              <a:rPr lang="en-US" altLang="ko-KR" dirty="0" err="1" smtClean="0"/>
+              <a:t>ursor:pointer</a:t>
+            </a:r>
+            <a:endParaRPr lang="en-US" altLang="ko-KR" dirty="0"/>
+          </a:p>
+          <a:p>
+            <a:pPr latinLnBrk="0"/>
+            <a:r>
+              <a:rPr lang="en-US" altLang="ko-KR" dirty="0"/>
+              <a:t>o</a:t>
+            </a:r>
+            <a:r>
+              <a:rPr lang="en-US" altLang="ko-KR" dirty="0" smtClean="0"/>
+              <a:t>verflow: hidden</a:t>
+            </a:r>
+          </a:p>
+          <a:p>
+            <a:pPr latinLnBrk="0"/>
+            <a:endParaRPr lang="en-US" altLang="ko-KR" dirty="0" smtClean="0"/>
+          </a:p>
+          <a:p>
+            <a:pPr latinLnBrk="0"/>
+            <a:endParaRPr lang="en-US" altLang="ko-KR" dirty="0" smtClean="0"/>
           </a:p>
         </p:txBody>
       </p:sp>
@@ -3347,11 +3770,13 @@
           </a:stretch>
         </p:blipFill>
         <p:spPr>
-          <a:xfrm rot="0">
+          <a:xfrm>
             <a:off x="4098290" y="6153150"/>
             <a:ext cx="4115435" cy="701040"/>
           </a:xfrm>
-          <a:prstGeom prst="rect"/>
+          <a:prstGeom prst="rect">
+            <a:avLst/>
+          </a:prstGeom>
           <a:noFill/>
         </p:spPr>
       </p:pic>
@@ -3364,7 +3789,7 @@
           <p:nvPr/>
         </p:nvPicPr>
         <p:blipFill rotWithShape="1">
-          <a:blip r:embed="rId4" cstate="print">
+          <a:blip r:embed="rId3" cstate="print">
             <a:extLst>
               <a:ext uri="{28A0092B-C50C-407E-A947-70E740481C1C}">
                 <a14:useLocalDpi xmlns:a14="http://schemas.microsoft.com/office/drawing/2010/main" val="0"/>
@@ -3377,11 +3802,13 @@
           </a:stretch>
         </p:blipFill>
         <p:spPr>
-          <a:xfrm rot="0">
+          <a:xfrm>
             <a:off x="4445000" y="741045"/>
             <a:ext cx="3069590" cy="5133340"/>
           </a:xfrm>
-          <a:prstGeom prst="rect"/>
+          <a:prstGeom prst="rect">
+            <a:avLst/>
+          </a:prstGeom>
           <a:noFill/>
         </p:spPr>
       </p:pic>
@@ -3392,7 +3819,7 @@
           <p:nvPr/>
         </p:nvGrpSpPr>
         <p:grpSpPr>
-          <a:xfrm rot="0">
+          <a:xfrm>
             <a:off x="5591810" y="2386965"/>
             <a:ext cx="772795" cy="772795"/>
             <a:chOff x="5591810" y="2386965"/>
@@ -3408,11 +3835,13 @@
             <p:nvPr/>
           </p:nvSpPr>
           <p:spPr>
-            <a:xfrm rot="0">
+            <a:xfrm>
               <a:off x="5591810" y="2386965"/>
               <a:ext cx="772795" cy="772795"/>
             </a:xfrm>
-            <a:prstGeom prst="ellipse"/>
+            <a:prstGeom prst="ellipse">
+              <a:avLst/>
+            </a:prstGeom>
             <a:solidFill>
               <a:srgbClr val="FAFAFA"/>
             </a:solidFill>
@@ -3445,7 +3874,7 @@
             </a:fontRef>
           </p:style>
           <p:txBody>
-            <a:bodyPr wrap="square" lIns="91440" tIns="45720" rIns="91440" bIns="45720" vert="horz" anchor="ctr">
+            <a:bodyPr vert="horz" wrap="square" lIns="91440" tIns="45720" rIns="91440" bIns="45720" anchor="ctr">
               <a:noAutofit/>
             </a:bodyPr>
             <a:lstStyle/>
@@ -3462,7 +3891,7 @@
             <p:nvPr/>
           </p:nvGrpSpPr>
           <p:grpSpPr>
-            <a:xfrm rot="0">
+            <a:xfrm>
               <a:off x="5887085" y="2668270"/>
               <a:ext cx="180340" cy="212090"/>
               <a:chOff x="5887085" y="2668270"/>
@@ -3476,11 +3905,13 @@
               <p:nvPr/>
             </p:nvCxnSpPr>
             <p:spPr>
-              <a:xfrm rot="0">
+              <a:xfrm>
                 <a:off x="5887085" y="2774950"/>
                 <a:ext cx="180340" cy="635"/>
               </a:xfrm>
-              <a:prstGeom prst="line"/>
+              <a:prstGeom prst="line">
+                <a:avLst/>
+              </a:prstGeom>
               <a:ln w="19050" cap="flat" cmpd="sng">
                 <a:solidFill>
                   <a:schemeClr val="bg1">
@@ -3516,11 +3947,13 @@
               <p:nvPr/>
             </p:nvCxnSpPr>
             <p:spPr>
-              <a:xfrm rot="0">
+              <a:xfrm>
                 <a:off x="5979160" y="2668270"/>
                 <a:ext cx="1270" cy="212090"/>
               </a:xfrm>
-              <a:prstGeom prst="line"/>
+              <a:prstGeom prst="line">
+                <a:avLst/>
+              </a:prstGeom>
               <a:ln w="19050" cap="flat" cmpd="sng">
                 <a:solidFill>
                   <a:schemeClr val="bg1">
@@ -3560,7 +3993,7 @@
           <p:nvPr/>
         </p:nvPicPr>
         <p:blipFill rotWithShape="1">
-          <a:blip r:embed="rId5" cstate="hqprint">
+          <a:blip r:embed="rId4" cstate="hqprint">
             <a:extLst>
               <a:ext uri="{28A0092B-C50C-407E-A947-70E740481C1C}">
                 <a14:useLocalDpi xmlns:a14="http://schemas.microsoft.com/office/drawing/2010/main"/>
@@ -3572,14 +4005,16 @@
           </a:stretch>
         </p:blipFill>
         <p:spPr>
-          <a:xfrm rot="0">
-            <a:off x="1099820" y="873760"/>
+          <a:xfrm>
+            <a:off x="7993063" y="456247"/>
             <a:ext cx="2993390" cy="1665605"/>
           </a:xfrm>
-          <a:prstGeom prst="rect"/>
+          <a:prstGeom prst="rect">
+            <a:avLst/>
+          </a:prstGeom>
           <a:noFill/>
           <a:effectLst>
-            <a:outerShdw sx="100000" sy="100000" blurRad="50800" dist="38100" dir="5400000" rotWithShape="0" algn="t">
+            <a:outerShdw blurRad="50800" dist="38100" dir="5400000" algn="t" rotWithShape="0">
               <a:srgbClr val="000000">
                 <a:alpha val="40000"/>
               </a:srgbClr>
@@ -3594,11 +4029,13 @@
           <p:nvPr/>
         </p:nvCxnSpPr>
         <p:spPr>
-          <a:xfrm rot="0" flipH="1" flipV="1">
-            <a:off x="4135120" y="1628140"/>
-            <a:ext cx="1649730" cy="987425"/>
-          </a:xfrm>
-          <a:prstGeom prst="line"/>
+          <a:xfrm flipV="1">
+            <a:off x="5784850" y="1753870"/>
+            <a:ext cx="2428875" cy="861696"/>
+          </a:xfrm>
+          <a:prstGeom prst="line">
+            <a:avLst/>
+          </a:prstGeom>
           <a:ln w="38100" cap="flat" cmpd="sng">
             <a:solidFill>
               <a:srgbClr val="FF0000">
@@ -3634,11 +4071,11 @@
   <p:clrMapOvr>
     <a:masterClrMapping/>
   </p:clrMapOvr>
-  <mc:AlternateContent xmlns:mc="http://schemas.openxmlformats.org/markup-compatibility/2006">
-    <mc:Choice xmlns:p14="http://schemas.microsoft.com/office/powerpoint/2010/main" Requires="p14">
+  <mc:AlternateContent xmlns:mc="http://schemas.openxmlformats.org/markup-compatibility/2006" xmlns:p14="http://schemas.microsoft.com/office/powerpoint/2010/main">
+    <mc:Choice Requires="p14">
       <p:transition spd="slow" p14:dur="2000"/>
     </mc:Choice>
-    <mc:Fallback>
+    <mc:Fallback xmlns="">
       <p:transition spd="slow"/>
     </mc:Fallback>
   </mc:AlternateContent>
@@ -3653,7 +4090,7 @@
 </file>
 
 <file path=ppt/slides/slide3.xml><?xml version="1.0" encoding="utf-8"?>
-<p:sld xmlns:a="http://schemas.openxmlformats.org/drawingml/2006/main" xmlns:r="http://schemas.openxmlformats.org/officeDocument/2006/relationships" xmlns:p="http://schemas.openxmlformats.org/presentationml/2006/main" xmlns:p14="http://schemas.microsoft.com/office/powerpoint/2010/main">
+<p:sld xmlns:a="http://schemas.openxmlformats.org/drawingml/2006/main" xmlns:r="http://schemas.openxmlformats.org/officeDocument/2006/relationships" xmlns:p="http://schemas.openxmlformats.org/presentationml/2006/main">
   <p:cSld>
     <p:spTree>
       <p:nvGrpSpPr>
@@ -3678,11 +4115,13 @@
           <p:nvPr/>
         </p:nvSpPr>
         <p:spPr>
-          <a:xfrm rot="0">
+          <a:xfrm>
             <a:off x="25400" y="-635"/>
             <a:ext cx="12192635" cy="7362825"/>
           </a:xfrm>
-          <a:prstGeom prst="rect"/>
+          <a:prstGeom prst="rect">
+            <a:avLst/>
+          </a:prstGeom>
           <a:solidFill>
             <a:srgbClr val="FAFAFA"/>
           </a:solidFill>
@@ -3708,7 +4147,7 @@
           </a:fontRef>
         </p:style>
         <p:txBody>
-          <a:bodyPr wrap="square" lIns="91440" tIns="45720" rIns="91440" bIns="45720" numCol="1" vert="horz" anchor="ctr">
+          <a:bodyPr vert="horz" wrap="square" lIns="91440" tIns="45720" rIns="91440" bIns="45720" numCol="1" anchor="ctr">
             <a:noAutofit/>
           </a:bodyPr>
           <a:lstStyle/>
@@ -3730,7 +4169,7 @@
           <p:nvPr/>
         </p:nvPicPr>
         <p:blipFill>
-          <a:blip r:embed="rId3"/>
+          <a:blip r:embed="rId2"/>
           <a:stretch>
             <a:fillRect/>
           </a:stretch>
@@ -3754,15 +4193,17 @@
           <p:nvPr/>
         </p:nvSpPr>
         <p:spPr>
-          <a:xfrm rot="0">
+          <a:xfrm>
             <a:off x="104140" y="688340"/>
             <a:ext cx="640715" cy="368935"/>
           </a:xfrm>
-          <a:prstGeom prst="rect"/>
+          <a:prstGeom prst="rect">
+            <a:avLst/>
+          </a:prstGeom>
           <a:noFill/>
         </p:spPr>
         <p:txBody>
-          <a:bodyPr wrap="none" lIns="91440" tIns="45720" rIns="91440" bIns="45720" numCol="1" vert="horz" anchor="t">
+          <a:bodyPr vert="horz" wrap="none" lIns="91440" tIns="45720" rIns="91440" bIns="45720" numCol="1" anchor="t">
             <a:spAutoFit/>
           </a:bodyPr>
           <a:lstStyle/>
@@ -3775,7 +4216,6 @@
               <a:rPr lang="ko-KR" altLang="en-US"/>
               <a:t>목록</a:t>
             </a:r>
-            <a:endParaRPr lang="ko-KR" altLang="en-US"/>
           </a:p>
         </p:txBody>
       </p:sp>
@@ -3788,7 +4228,7 @@
           <p:nvPr/>
         </p:nvPicPr>
         <p:blipFill rotWithShape="1">
-          <a:blip r:embed="rId4"/>
+          <a:blip r:embed="rId3"/>
           <a:srcRect t="88473" r="9346"/>
           <a:stretch/>
         </p:blipFill>
@@ -3857,11 +4297,13 @@
           <p:nvPr/>
         </p:nvSpPr>
         <p:spPr>
-          <a:xfrm rot="0">
+          <a:xfrm>
             <a:off x="5321300" y="1308100"/>
             <a:ext cx="2159635" cy="495935"/>
           </a:xfrm>
-          <a:prstGeom prst="rect"/>
+          <a:prstGeom prst="rect">
+            <a:avLst/>
+          </a:prstGeom>
           <a:solidFill>
             <a:srgbClr val="FAFAFA"/>
           </a:solidFill>
@@ -3887,7 +4329,7 @@
           </a:fontRef>
         </p:style>
         <p:txBody>
-          <a:bodyPr wrap="square" lIns="91440" tIns="45720" rIns="91440" bIns="45720" numCol="1" vert="horz" anchor="ctr">
+          <a:bodyPr vert="horz" wrap="square" lIns="91440" tIns="45720" rIns="91440" bIns="45720" numCol="1" anchor="ctr">
             <a:noAutofit/>
           </a:bodyPr>
           <a:lstStyle/>
@@ -3909,7 +4351,7 @@
           <p:nvPr/>
         </p:nvPicPr>
         <p:blipFill rotWithShape="1">
-          <a:blip r:embed="rId5" cstate="print">
+          <a:blip r:embed="rId4" cstate="print">
             <a:extLst>
               <a:ext uri="{28A0092B-C50C-407E-A947-70E740481C1C}">
                 <a14:useLocalDpi xmlns:a14="http://schemas.microsoft.com/office/drawing/2010/main" val="0"/>
@@ -3922,11 +4364,13 @@
           </a:stretch>
         </p:blipFill>
         <p:spPr>
-          <a:xfrm rot="0">
+          <a:xfrm>
             <a:off x="4575175" y="1636395"/>
             <a:ext cx="2258060" cy="334010"/>
           </a:xfrm>
-          <a:prstGeom prst="rect"/>
+          <a:prstGeom prst="rect">
+            <a:avLst/>
+          </a:prstGeom>
           <a:noFill/>
         </p:spPr>
       </p:pic>
@@ -3939,11 +4383,13 @@
           <p:nvPr/>
         </p:nvSpPr>
         <p:spPr>
-          <a:xfrm rot="0">
+          <a:xfrm>
             <a:off x="4959350" y="871855"/>
             <a:ext cx="2159635" cy="495935"/>
           </a:xfrm>
-          <a:prstGeom prst="rect"/>
+          <a:prstGeom prst="rect">
+            <a:avLst/>
+          </a:prstGeom>
           <a:solidFill>
             <a:srgbClr val="FAFAFA"/>
           </a:solidFill>
@@ -3969,7 +4415,7 @@
           </a:fontRef>
         </p:style>
         <p:txBody>
-          <a:bodyPr wrap="square" lIns="91440" tIns="45720" rIns="91440" bIns="45720" numCol="1" vert="horz" anchor="ctr">
+          <a:bodyPr vert="horz" wrap="square" lIns="91440" tIns="45720" rIns="91440" bIns="45720" numCol="1" anchor="ctr">
             <a:noAutofit/>
           </a:bodyPr>
           <a:lstStyle/>
@@ -3991,7 +4437,7 @@
           <p:nvPr/>
         </p:nvPicPr>
         <p:blipFill rotWithShape="1">
-          <a:blip r:embed="rId3" cstate="print">
+          <a:blip r:embed="rId2" cstate="print">
             <a:extLst>
               <a:ext uri="{28A0092B-C50C-407E-A947-70E740481C1C}">
                 <a14:useLocalDpi xmlns:a14="http://schemas.microsoft.com/office/drawing/2010/main" val="0"/>
@@ -4004,11 +4450,13 @@
           </a:stretch>
         </p:blipFill>
         <p:spPr>
-          <a:xfrm rot="0">
+          <a:xfrm>
             <a:off x="6788785" y="2355215"/>
             <a:ext cx="2009775" cy="2000885"/>
           </a:xfrm>
-          <a:prstGeom prst="rect"/>
+          <a:prstGeom prst="rect">
+            <a:avLst/>
+          </a:prstGeom>
           <a:noFill/>
         </p:spPr>
       </p:pic>
@@ -4021,28 +4469,383 @@
           <p:nvPr/>
         </p:nvSpPr>
         <p:spPr>
-          <a:xfrm rot="0">
+          <a:xfrm>
             <a:off x="106045" y="1111250"/>
-            <a:ext cx="4572635" cy="277495"/>
-          </a:xfrm>
-          <a:prstGeom prst="rect"/>
+            <a:ext cx="4572635" cy="5746750"/>
+          </a:xfrm>
+          <a:prstGeom prst="rect">
+            <a:avLst/>
+          </a:prstGeom>
           <a:noFill/>
         </p:spPr>
         <p:txBody>
-          <a:bodyPr wrap="square" lIns="0" tIns="0" rIns="0" bIns="0" vert="horz" anchor="t">
+          <a:bodyPr vert="horz" wrap="square" lIns="0" tIns="0" rIns="0" bIns="0" anchor="t">
             <a:noAutofit/>
           </a:bodyPr>
           <a:lstStyle/>
           <a:p>
             <a:pPr marL="0" indent="0" hangingPunct="1"/>
             <a:r>
-              <a:rPr sz="1800">
+              <a:rPr sz="1800" dirty="0">
                 <a:latin typeface="맑은 고딕" charset="0"/>
                 <a:ea typeface="맑은 고딕" charset="0"/>
               </a:rPr>
-              <a:t>- 목록 최대 6개 고정(최신)</a:t>
-            </a:r>
-            <a:endParaRPr lang="ko-KR" altLang="en-US" sz="1800">
+              <a:t>- </a:t>
+            </a:r>
+            <a:r>
+              <a:rPr sz="1800" dirty="0" err="1">
+                <a:latin typeface="맑은 고딕" charset="0"/>
+                <a:ea typeface="맑은 고딕" charset="0"/>
+              </a:rPr>
+              <a:t>목록</a:t>
+            </a:r>
+            <a:r>
+              <a:rPr sz="1800" dirty="0">
+                <a:latin typeface="맑은 고딕" charset="0"/>
+                <a:ea typeface="맑은 고딕" charset="0"/>
+              </a:rPr>
+              <a:t> </a:t>
+            </a:r>
+            <a:r>
+              <a:rPr sz="1800" dirty="0" err="1">
+                <a:latin typeface="맑은 고딕" charset="0"/>
+                <a:ea typeface="맑은 고딕" charset="0"/>
+              </a:rPr>
+              <a:t>최대</a:t>
+            </a:r>
+            <a:r>
+              <a:rPr sz="1800" dirty="0">
+                <a:latin typeface="맑은 고딕" charset="0"/>
+                <a:ea typeface="맑은 고딕" charset="0"/>
+              </a:rPr>
+              <a:t> 6개 </a:t>
+            </a:r>
+            <a:r>
+              <a:rPr sz="1800" dirty="0" err="1">
+                <a:latin typeface="맑은 고딕" charset="0"/>
+                <a:ea typeface="맑은 고딕" charset="0"/>
+              </a:rPr>
+              <a:t>고정</a:t>
+            </a:r>
+            <a:r>
+              <a:rPr sz="1800" dirty="0">
+                <a:latin typeface="맑은 고딕" charset="0"/>
+                <a:ea typeface="맑은 고딕" charset="0"/>
+              </a:rPr>
+              <a:t>(</a:t>
+            </a:r>
+            <a:r>
+              <a:rPr sz="1800" dirty="0" err="1">
+                <a:latin typeface="맑은 고딕" charset="0"/>
+                <a:ea typeface="맑은 고딕" charset="0"/>
+              </a:rPr>
+              <a:t>최신</a:t>
+            </a:r>
+            <a:r>
+              <a:rPr sz="1800" dirty="0" smtClean="0">
+                <a:latin typeface="맑은 고딕" charset="0"/>
+                <a:ea typeface="맑은 고딕" charset="0"/>
+              </a:rPr>
+              <a:t>)</a:t>
+            </a:r>
+            <a:endParaRPr lang="en-US" sz="1800" dirty="0" smtClean="0">
+              <a:latin typeface="맑은 고딕" charset="0"/>
+              <a:ea typeface="맑은 고딕" charset="0"/>
+            </a:endParaRPr>
+          </a:p>
+          <a:p>
+            <a:pPr marL="0" indent="0" hangingPunct="1"/>
+            <a:endParaRPr lang="en-US" altLang="ko-KR" dirty="0">
+              <a:latin typeface="맑은 고딕" charset="0"/>
+              <a:ea typeface="맑은 고딕" charset="0"/>
+            </a:endParaRPr>
+          </a:p>
+          <a:p>
+            <a:pPr marL="0" indent="0" hangingPunct="1"/>
+            <a:r>
+              <a:rPr lang="en-US" altLang="ko-KR" sz="1800" dirty="0" smtClean="0">
+                <a:latin typeface="맑은 고딕" charset="0"/>
+                <a:ea typeface="맑은 고딕" charset="0"/>
+              </a:rPr>
+              <a:t>Html</a:t>
+            </a:r>
+          </a:p>
+          <a:p>
+            <a:pPr marL="0" indent="0" hangingPunct="1"/>
+            <a:r>
+              <a:rPr lang="en-US" altLang="ko-KR" dirty="0" smtClean="0">
+                <a:latin typeface="맑은 고딕" charset="0"/>
+                <a:ea typeface="맑은 고딕" charset="0"/>
+              </a:rPr>
+              <a:t>&lt;header&gt;&lt;/header&gt;</a:t>
+            </a:r>
+          </a:p>
+          <a:p>
+            <a:pPr marL="0" indent="0" hangingPunct="1"/>
+            <a:r>
+              <a:rPr lang="en-US" altLang="ko-KR" dirty="0" smtClean="0">
+                <a:latin typeface="맑은 고딕" charset="0"/>
+                <a:ea typeface="맑은 고딕" charset="0"/>
+              </a:rPr>
+              <a:t>&lt;</a:t>
+            </a:r>
+            <a:r>
+              <a:rPr lang="en-US" altLang="ko-KR" dirty="0" err="1" smtClean="0">
+                <a:latin typeface="맑은 고딕" charset="0"/>
+                <a:ea typeface="맑은 고딕" charset="0"/>
+              </a:rPr>
+              <a:t>img</a:t>
+            </a:r>
+            <a:r>
+              <a:rPr lang="en-US" altLang="ko-KR" dirty="0" smtClean="0">
+                <a:latin typeface="맑은 고딕" charset="0"/>
+                <a:ea typeface="맑은 고딕" charset="0"/>
+              </a:rPr>
+              <a:t> </a:t>
+            </a:r>
+            <a:r>
+              <a:rPr lang="en-US" altLang="ko-KR" dirty="0" err="1" smtClean="0">
+                <a:latin typeface="맑은 고딕" charset="0"/>
+                <a:ea typeface="맑은 고딕" charset="0"/>
+              </a:rPr>
+              <a:t>src</a:t>
+            </a:r>
+            <a:r>
+              <a:rPr lang="en-US" altLang="ko-KR" dirty="0" smtClean="0">
+                <a:latin typeface="맑은 고딕" charset="0"/>
+                <a:ea typeface="맑은 고딕" charset="0"/>
+              </a:rPr>
+              <a:t>=“”&gt;</a:t>
+            </a:r>
+          </a:p>
+          <a:p>
+            <a:pPr marL="0" indent="0" hangingPunct="1"/>
+            <a:r>
+              <a:rPr lang="en-US" altLang="ko-KR" dirty="0" smtClean="0">
+                <a:latin typeface="맑은 고딕" charset="0"/>
+                <a:ea typeface="맑은 고딕" charset="0"/>
+              </a:rPr>
+              <a:t>&lt;a </a:t>
+            </a:r>
+            <a:r>
+              <a:rPr lang="en-US" altLang="ko-KR" dirty="0" err="1" smtClean="0">
+                <a:latin typeface="맑은 고딕" charset="0"/>
+                <a:ea typeface="맑은 고딕" charset="0"/>
+              </a:rPr>
+              <a:t>href</a:t>
+            </a:r>
+            <a:r>
+              <a:rPr lang="en-US" altLang="ko-KR" dirty="0" smtClean="0">
+                <a:latin typeface="맑은 고딕" charset="0"/>
+                <a:ea typeface="맑은 고딕" charset="0"/>
+              </a:rPr>
+              <a:t>=“”&gt;&lt;/a&gt;</a:t>
+            </a:r>
+          </a:p>
+          <a:p>
+            <a:pPr marL="0" indent="0" hangingPunct="1"/>
+            <a:r>
+              <a:rPr lang="en-US" altLang="ko-KR" dirty="0" smtClean="0">
+                <a:latin typeface="맑은 고딕" charset="0"/>
+                <a:ea typeface="맑은 고딕" charset="0"/>
+              </a:rPr>
+              <a:t>&lt;button type=“button”&gt;&lt;/button&gt;</a:t>
+            </a:r>
+          </a:p>
+          <a:p>
+            <a:pPr marL="0" indent="0" hangingPunct="1"/>
+            <a:r>
+              <a:rPr lang="en-US" altLang="ko-KR" dirty="0" smtClean="0">
+                <a:latin typeface="맑은 고딕" charset="0"/>
+                <a:ea typeface="맑은 고딕" charset="0"/>
+              </a:rPr>
+              <a:t>&lt;span&gt;&lt;/span&gt;</a:t>
+            </a:r>
+          </a:p>
+          <a:p>
+            <a:pPr marL="0" indent="0" hangingPunct="1"/>
+            <a:r>
+              <a:rPr lang="en-US" altLang="ko-KR" dirty="0" smtClean="0">
+                <a:latin typeface="맑은 고딕" charset="0"/>
+                <a:ea typeface="맑은 고딕" charset="0"/>
+              </a:rPr>
+              <a:t>&lt;strong&gt;&lt;/strong&gt;</a:t>
+            </a:r>
+          </a:p>
+          <a:p>
+            <a:pPr marL="0" indent="0" hangingPunct="1"/>
+            <a:r>
+              <a:rPr lang="en-US" altLang="ko-KR" dirty="0" smtClean="0">
+                <a:latin typeface="맑은 고딕" charset="0"/>
+                <a:ea typeface="맑은 고딕" charset="0"/>
+              </a:rPr>
+              <a:t>&lt;div&gt;&lt;/div&gt;</a:t>
+            </a:r>
+          </a:p>
+          <a:p>
+            <a:pPr marL="0" indent="0" hangingPunct="1"/>
+            <a:r>
+              <a:rPr lang="en-US" altLang="ko-KR" dirty="0" smtClean="0">
+                <a:latin typeface="맑은 고딕" charset="0"/>
+                <a:ea typeface="맑은 고딕" charset="0"/>
+              </a:rPr>
+              <a:t>&lt;</a:t>
+            </a:r>
+            <a:r>
+              <a:rPr lang="en-US" altLang="ko-KR" dirty="0" err="1" smtClean="0">
+                <a:latin typeface="맑은 고딕" charset="0"/>
+                <a:ea typeface="맑은 고딕" charset="0"/>
+              </a:rPr>
+              <a:t>ul</a:t>
+            </a:r>
+            <a:r>
+              <a:rPr lang="en-US" altLang="ko-KR" dirty="0" smtClean="0">
+                <a:latin typeface="맑은 고딕" charset="0"/>
+                <a:ea typeface="맑은 고딕" charset="0"/>
+              </a:rPr>
+              <a:t>&gt;&lt;li&gt;&lt;/li&gt;&lt;/</a:t>
+            </a:r>
+            <a:r>
+              <a:rPr lang="en-US" altLang="ko-KR" dirty="0" err="1" smtClean="0">
+                <a:latin typeface="맑은 고딕" charset="0"/>
+                <a:ea typeface="맑은 고딕" charset="0"/>
+              </a:rPr>
+              <a:t>ul</a:t>
+            </a:r>
+            <a:r>
+              <a:rPr lang="en-US" altLang="ko-KR" dirty="0" smtClean="0">
+                <a:latin typeface="맑은 고딕" charset="0"/>
+                <a:ea typeface="맑은 고딕" charset="0"/>
+              </a:rPr>
+              <a:t>&gt;</a:t>
+            </a:r>
+          </a:p>
+          <a:p>
+            <a:pPr marL="0" indent="0" hangingPunct="1"/>
+            <a:r>
+              <a:rPr lang="en-US" altLang="ko-KR" dirty="0" smtClean="0">
+                <a:latin typeface="맑은 고딕" charset="0"/>
+                <a:ea typeface="맑은 고딕" charset="0"/>
+              </a:rPr>
+              <a:t>&lt;p&gt;&lt;/p&gt;</a:t>
+            </a:r>
+          </a:p>
+          <a:p>
+            <a:pPr marL="0" indent="0" hangingPunct="1"/>
+            <a:r>
+              <a:rPr lang="en-US" altLang="ko-KR" dirty="0" smtClean="0">
+                <a:latin typeface="맑은 고딕" charset="0"/>
+                <a:ea typeface="맑은 고딕" charset="0"/>
+              </a:rPr>
+              <a:t>&lt;b&gt;&lt;/b&gt;</a:t>
+            </a:r>
+          </a:p>
+          <a:p>
+            <a:pPr marL="0" indent="0" hangingPunct="1"/>
+            <a:endParaRPr lang="en-US" altLang="ko-KR" dirty="0">
+              <a:latin typeface="맑은 고딕" charset="0"/>
+              <a:ea typeface="맑은 고딕" charset="0"/>
+            </a:endParaRPr>
+          </a:p>
+          <a:p>
+            <a:pPr marL="0" indent="0" hangingPunct="1"/>
+            <a:r>
+              <a:rPr lang="en-US" altLang="ko-KR" dirty="0" err="1" smtClean="0">
+                <a:latin typeface="맑은 고딕" charset="0"/>
+                <a:ea typeface="맑은 고딕" charset="0"/>
+              </a:rPr>
+              <a:t>Css</a:t>
+            </a:r>
+            <a:endParaRPr lang="en-US" altLang="ko-KR" dirty="0" smtClean="0">
+              <a:latin typeface="맑은 고딕" charset="0"/>
+              <a:ea typeface="맑은 고딕" charset="0"/>
+            </a:endParaRPr>
+          </a:p>
+          <a:p>
+            <a:pPr marL="0" indent="0" hangingPunct="1"/>
+            <a:r>
+              <a:rPr lang="en-US" altLang="ko-KR" dirty="0" smtClean="0">
+                <a:latin typeface="맑은 고딕" charset="0"/>
+                <a:ea typeface="맑은 고딕" charset="0"/>
+              </a:rPr>
+              <a:t>Display: flex</a:t>
+            </a:r>
+          </a:p>
+          <a:p>
+            <a:pPr marL="0" indent="0" hangingPunct="1"/>
+            <a:r>
+              <a:rPr lang="en-US" altLang="ko-KR" dirty="0" smtClean="0">
+                <a:latin typeface="맑은 고딕" charset="0"/>
+                <a:ea typeface="맑은 고딕" charset="0"/>
+              </a:rPr>
+              <a:t>Float </a:t>
+            </a:r>
+          </a:p>
+          <a:p>
+            <a:pPr marL="0" indent="0" hangingPunct="1"/>
+            <a:r>
+              <a:rPr lang="en-US" altLang="ko-KR" dirty="0" smtClean="0">
+                <a:latin typeface="맑은 고딕" charset="0"/>
+                <a:ea typeface="맑은 고딕" charset="0"/>
+              </a:rPr>
+              <a:t>:hover </a:t>
+            </a:r>
+          </a:p>
+          <a:p>
+            <a:pPr marL="0" indent="0" hangingPunct="1"/>
+            <a:r>
+              <a:rPr lang="en-US" altLang="ko-KR" dirty="0" smtClean="0">
+                <a:latin typeface="맑은 고딕" charset="0"/>
+                <a:ea typeface="맑은 고딕" charset="0"/>
+              </a:rPr>
+              <a:t>Width: </a:t>
+            </a:r>
+            <a:r>
+              <a:rPr lang="en-US" altLang="ko-KR" dirty="0" err="1" smtClean="0">
+                <a:latin typeface="맑은 고딕" charset="0"/>
+                <a:ea typeface="맑은 고딕" charset="0"/>
+              </a:rPr>
+              <a:t>calc</a:t>
+            </a:r>
+            <a:r>
+              <a:rPr lang="en-US" altLang="ko-KR" dirty="0" smtClean="0">
+                <a:latin typeface="맑은 고딕" charset="0"/>
+                <a:ea typeface="맑은 고딕" charset="0"/>
+              </a:rPr>
+              <a:t>()</a:t>
+            </a:r>
+          </a:p>
+          <a:p>
+            <a:pPr marL="0" indent="0" hangingPunct="1"/>
+            <a:endParaRPr lang="en-US" altLang="ko-KR" dirty="0" smtClean="0">
+              <a:latin typeface="맑은 고딕" charset="0"/>
+              <a:ea typeface="맑은 고딕" charset="0"/>
+            </a:endParaRPr>
+          </a:p>
+          <a:p>
+            <a:pPr marL="0" indent="0" hangingPunct="1"/>
+            <a:endParaRPr lang="en-US" altLang="ko-KR" dirty="0" smtClean="0">
+              <a:latin typeface="맑은 고딕" charset="0"/>
+              <a:ea typeface="맑은 고딕" charset="0"/>
+            </a:endParaRPr>
+          </a:p>
+          <a:p>
+            <a:pPr marL="0" indent="0" hangingPunct="1"/>
+            <a:endParaRPr lang="en-US" altLang="ko-KR" sz="1800" dirty="0" smtClean="0">
+              <a:latin typeface="맑은 고딕" charset="0"/>
+              <a:ea typeface="맑은 고딕" charset="0"/>
+            </a:endParaRPr>
+          </a:p>
+          <a:p>
+            <a:pPr marL="0" indent="0" hangingPunct="1"/>
+            <a:endParaRPr lang="en-US" altLang="ko-KR" sz="1800" dirty="0" smtClean="0">
+              <a:latin typeface="맑은 고딕" charset="0"/>
+              <a:ea typeface="맑은 고딕" charset="0"/>
+            </a:endParaRPr>
+          </a:p>
+          <a:p>
+            <a:pPr marL="0" indent="0" hangingPunct="1"/>
+            <a:endParaRPr lang="ko-KR" altLang="en-US" sz="1800" dirty="0">
               <a:latin typeface="맑은 고딕" charset="0"/>
               <a:ea typeface="맑은 고딕" charset="0"/>
             </a:endParaRPr>
@@ -4056,7 +4859,7 @@
           <p:nvPr/>
         </p:nvGrpSpPr>
         <p:grpSpPr>
-          <a:xfrm rot="0">
+          <a:xfrm>
             <a:off x="0" y="0"/>
             <a:ext cx="12218035" cy="970280"/>
             <a:chOff x="0" y="0"/>
@@ -4072,7 +4875,7 @@
             <p:nvPr/>
           </p:nvPicPr>
           <p:blipFill rotWithShape="1">
-            <a:blip r:embed="rId2" cstate="print">
+            <a:blip r:embed="rId5" cstate="print">
               <a:extLst>
                 <a:ext uri="{28A0092B-C50C-407E-A947-70E740481C1C}">
                   <a14:useLocalDpi xmlns:a14="http://schemas.microsoft.com/office/drawing/2010/main" val="0"/>
@@ -4085,11 +4888,13 @@
             </a:stretch>
           </p:blipFill>
           <p:spPr>
-            <a:xfrm rot="0">
+            <a:xfrm>
               <a:off x="0" y="0"/>
               <a:ext cx="12218035" cy="581660"/>
             </a:xfrm>
-            <a:prstGeom prst="rect"/>
+            <a:prstGeom prst="rect">
+              <a:avLst/>
+            </a:prstGeom>
             <a:noFill/>
           </p:spPr>
         </p:pic>
@@ -4102,15 +4907,17 @@
             <p:nvPr/>
           </p:nvSpPr>
           <p:spPr>
-            <a:xfrm rot="0">
+            <a:xfrm>
               <a:off x="9972675" y="219075"/>
               <a:ext cx="1560830" cy="139065"/>
             </a:xfrm>
-            <a:prstGeom prst="rect"/>
+            <a:prstGeom prst="rect">
+              <a:avLst/>
+            </a:prstGeom>
             <a:noFill/>
           </p:spPr>
           <p:txBody>
-            <a:bodyPr wrap="square" lIns="0" tIns="0" rIns="0" bIns="0" vert="horz" anchor="t">
+            <a:bodyPr vert="horz" wrap="square" lIns="0" tIns="0" rIns="0" bIns="0" anchor="t">
               <a:noAutofit/>
             </a:bodyPr>
             <a:lstStyle/>
@@ -4151,11 +4958,13 @@
             </a:stretch>
           </p:blipFill>
           <p:spPr>
-            <a:xfrm rot="0">
+            <a:xfrm>
               <a:off x="8527415" y="424180"/>
               <a:ext cx="1838325" cy="546100"/>
             </a:xfrm>
-            <a:prstGeom prst="rect"/>
+            <a:prstGeom prst="rect">
+              <a:avLst/>
+            </a:prstGeom>
             <a:noFill/>
           </p:spPr>
         </p:pic>
@@ -4169,7 +4978,7 @@
           <p:nvPr/>
         </p:nvPicPr>
         <p:blipFill rotWithShape="1">
-          <a:blip r:embed="rId2" cstate="print">
+          <a:blip r:embed="rId5" cstate="print">
             <a:extLst>
               <a:ext uri="{28A0092B-C50C-407E-A947-70E740481C1C}">
                 <a14:useLocalDpi xmlns:a14="http://schemas.microsoft.com/office/drawing/2010/main" val="0"/>
@@ -4182,11 +4991,13 @@
           </a:stretch>
         </p:blipFill>
         <p:spPr>
-          <a:xfrm rot="0">
+          <a:xfrm>
             <a:off x="-85725" y="-798830"/>
             <a:ext cx="12218035" cy="581660"/>
           </a:xfrm>
-          <a:prstGeom prst="rect"/>
+          <a:prstGeom prst="rect">
+            <a:avLst/>
+          </a:prstGeom>
           <a:noFill/>
         </p:spPr>
       </p:pic>
@@ -4199,15 +5010,17 @@
           <p:nvPr/>
         </p:nvSpPr>
         <p:spPr>
-          <a:xfrm rot="0">
+          <a:xfrm>
             <a:off x="12451080" y="135255"/>
             <a:ext cx="1224915" cy="277495"/>
           </a:xfrm>
-          <a:prstGeom prst="rect"/>
+          <a:prstGeom prst="rect">
+            <a:avLst/>
+          </a:prstGeom>
           <a:noFill/>
         </p:spPr>
         <p:txBody>
-          <a:bodyPr wrap="square" lIns="0" tIns="0" rIns="0" bIns="0" vert="horz" anchor="t">
+          <a:bodyPr vert="horz" wrap="square" lIns="0" tIns="0" rIns="0" bIns="0" anchor="t">
             <a:noAutofit/>
           </a:bodyPr>
           <a:lstStyle/>
@@ -4233,15 +5046,17 @@
           <p:nvPr/>
         </p:nvSpPr>
         <p:spPr>
-          <a:xfrm rot="0">
+          <a:xfrm>
             <a:off x="12379325" y="-650240"/>
             <a:ext cx="1224915" cy="277495"/>
           </a:xfrm>
-          <a:prstGeom prst="rect"/>
+          <a:prstGeom prst="rect">
+            <a:avLst/>
+          </a:prstGeom>
           <a:noFill/>
         </p:spPr>
         <p:txBody>
-          <a:bodyPr wrap="square" lIns="0" tIns="0" rIns="0" bIns="0" vert="horz" anchor="t">
+          <a:bodyPr vert="horz" wrap="square" lIns="0" tIns="0" rIns="0" bIns="0" anchor="t">
             <a:noAutofit/>
           </a:bodyPr>
           <a:lstStyle/>
@@ -4267,11 +5082,13 @@
           <p:nvPr/>
         </p:nvSpPr>
         <p:spPr>
-          <a:xfrm rot="0">
+          <a:xfrm>
             <a:off x="9503410" y="-719455"/>
             <a:ext cx="667385" cy="402590"/>
           </a:xfrm>
-          <a:prstGeom prst="rect"/>
+          <a:prstGeom prst="rect">
+            <a:avLst/>
+          </a:prstGeom>
           <a:solidFill>
             <a:schemeClr val="bg1"/>
           </a:solidFill>
@@ -4297,7 +5114,7 @@
           </a:fontRef>
         </p:style>
         <p:txBody>
-          <a:bodyPr wrap="square" lIns="91440" tIns="45720" rIns="91440" bIns="45720" vert="horz" anchor="ctr">
+          <a:bodyPr vert="horz" wrap="square" lIns="91440" tIns="45720" rIns="91440" bIns="45720" anchor="ctr">
             <a:noAutofit/>
           </a:bodyPr>
           <a:lstStyle/>
@@ -4331,11 +5148,13 @@
           </a:stretch>
         </p:blipFill>
         <p:spPr>
-          <a:xfrm rot="0">
+          <a:xfrm>
             <a:off x="9591040" y="-655320"/>
             <a:ext cx="227965" cy="269875"/>
           </a:xfrm>
-          <a:prstGeom prst="rect"/>
+          <a:prstGeom prst="rect">
+            <a:avLst/>
+          </a:prstGeom>
           <a:noFill/>
         </p:spPr>
       </p:pic>
@@ -4349,11 +5168,11 @@
   <p:clrMapOvr>
     <a:masterClrMapping/>
   </p:clrMapOvr>
-  <mc:AlternateContent xmlns:mc="http://schemas.openxmlformats.org/markup-compatibility/2006">
-    <mc:Choice xmlns:p14="http://schemas.microsoft.com/office/powerpoint/2010/main" Requires="p14">
+  <mc:AlternateContent xmlns:mc="http://schemas.openxmlformats.org/markup-compatibility/2006" xmlns:p14="http://schemas.microsoft.com/office/powerpoint/2010/main">
+    <mc:Choice Requires="p14">
       <p:transition spd="slow" p14:dur="2000"/>
     </mc:Choice>
-    <mc:Fallback>
+    <mc:Fallback xmlns="">
       <p:transition spd="slow"/>
     </mc:Fallback>
   </mc:AlternateContent>
@@ -4368,7 +5187,7 @@
 </file>
 
 <file path=ppt/slides/slide4.xml><?xml version="1.0" encoding="utf-8"?>
-<p:sld xmlns:a="http://schemas.openxmlformats.org/drawingml/2006/main" xmlns:r="http://schemas.openxmlformats.org/officeDocument/2006/relationships" xmlns:p="http://schemas.openxmlformats.org/presentationml/2006/main" xmlns:p14="http://schemas.microsoft.com/office/powerpoint/2010/main">
+<p:sld xmlns:a="http://schemas.openxmlformats.org/drawingml/2006/main" xmlns:r="http://schemas.openxmlformats.org/officeDocument/2006/relationships" xmlns:p="http://schemas.openxmlformats.org/presentationml/2006/main">
   <p:cSld>
     <p:spTree>
       <p:nvGrpSpPr>
@@ -4393,11 +5212,13 @@
           <p:nvPr/>
         </p:nvSpPr>
         <p:spPr>
-          <a:xfrm rot="0">
+          <a:xfrm>
             <a:off x="22225" y="2540"/>
             <a:ext cx="12193270" cy="6859270"/>
           </a:xfrm>
-          <a:prstGeom prst="rect"/>
+          <a:prstGeom prst="rect">
+            <a:avLst/>
+          </a:prstGeom>
           <a:solidFill>
             <a:srgbClr val="FAFAFA"/>
           </a:solidFill>
@@ -4423,7 +5244,7 @@
           </a:fontRef>
         </p:style>
         <p:txBody>
-          <a:bodyPr wrap="square" lIns="91440" tIns="45720" rIns="91440" bIns="45720" numCol="1" vert="horz" anchor="ctr">
+          <a:bodyPr vert="horz" wrap="square" lIns="91440" tIns="45720" rIns="91440" bIns="45720" numCol="1" anchor="ctr">
             <a:noAutofit/>
           </a:bodyPr>
           <a:lstStyle/>
@@ -4462,11 +5283,13 @@
           </a:stretch>
         </p:blipFill>
         <p:spPr>
-          <a:xfrm rot="0">
+          <a:xfrm>
             <a:off x="0" y="0"/>
             <a:ext cx="12218035" cy="581660"/>
           </a:xfrm>
-          <a:prstGeom prst="rect"/>
+          <a:prstGeom prst="rect">
+            <a:avLst/>
+          </a:prstGeom>
           <a:noFill/>
         </p:spPr>
       </p:pic>
@@ -4479,11 +5302,13 @@
           <p:nvPr/>
         </p:nvSpPr>
         <p:spPr>
-          <a:xfrm rot="0">
+          <a:xfrm>
             <a:off x="6671945" y="581025"/>
             <a:ext cx="2664460" cy="6020435"/>
           </a:xfrm>
-          <a:prstGeom prst="rect"/>
+          <a:prstGeom prst="rect">
+            <a:avLst/>
+          </a:prstGeom>
           <a:solidFill>
             <a:srgbClr val="FAFAFA"/>
           </a:solidFill>
@@ -4509,7 +5334,7 @@
           </a:fontRef>
         </p:style>
         <p:txBody>
-          <a:bodyPr wrap="square" lIns="91440" tIns="45720" rIns="91440" bIns="45720" numCol="1" vert="horz" anchor="ctr">
+          <a:bodyPr vert="horz" wrap="square" lIns="91440" tIns="45720" rIns="91440" bIns="45720" numCol="1" anchor="ctr">
             <a:noAutofit/>
           </a:bodyPr>
           <a:lstStyle/>
@@ -4535,11 +5360,13 @@
             <a:off x="83820" y="661035"/>
             <a:ext cx="640715" cy="368935"/>
           </a:xfrm>
-          <a:prstGeom prst="rect"/>
+          <a:prstGeom prst="rect">
+            <a:avLst/>
+          </a:prstGeom>
           <a:noFill/>
         </p:spPr>
         <p:txBody>
-          <a:bodyPr wrap="none" lIns="91440" tIns="45720" rIns="91440" bIns="45720" numCol="1" vert="horz" anchor="t">
+          <a:bodyPr vert="horz" wrap="none" lIns="91440" tIns="45720" rIns="91440" bIns="45720" numCol="1" anchor="t">
             <a:spAutoFit/>
           </a:bodyPr>
           <a:lstStyle/>
@@ -4552,7 +5379,6 @@
               <a:rPr lang="ko-KR" altLang="en-US"/>
               <a:t>상세</a:t>
             </a:r>
-            <a:endParaRPr lang="ko-KR" altLang="en-US"/>
           </a:p>
         </p:txBody>
       </p:sp>
@@ -4578,11 +5404,13 @@
           </a:stretch>
         </p:blipFill>
         <p:spPr>
-          <a:xfrm rot="0">
+          <a:xfrm>
             <a:off x="2005330" y="581025"/>
             <a:ext cx="7331075" cy="4867910"/>
           </a:xfrm>
-          <a:prstGeom prst="rect"/>
+          <a:prstGeom prst="rect">
+            <a:avLst/>
+          </a:prstGeom>
           <a:noFill/>
         </p:spPr>
       </p:pic>
@@ -4595,11 +5423,13 @@
           <p:nvPr/>
         </p:nvSpPr>
         <p:spPr>
-          <a:xfrm rot="0">
+          <a:xfrm>
             <a:off x="7132955" y="2262505"/>
             <a:ext cx="2023110" cy="2702560"/>
           </a:xfrm>
-          <a:prstGeom prst="rect"/>
+          <a:prstGeom prst="rect">
+            <a:avLst/>
+          </a:prstGeom>
           <a:solidFill>
             <a:schemeClr val="bg1"/>
           </a:solidFill>
@@ -4625,7 +5455,7 @@
           </a:fontRef>
         </p:style>
         <p:txBody>
-          <a:bodyPr wrap="square" lIns="91440" tIns="45720" rIns="91440" bIns="45720" numCol="1" vert="horz" anchor="ctr">
+          <a:bodyPr vert="horz" wrap="square" lIns="91440" tIns="45720" rIns="91440" bIns="45720" numCol="1" anchor="ctr">
             <a:noAutofit/>
           </a:bodyPr>
           <a:lstStyle/>
@@ -4650,7 +5480,7 @@
           <p:nvPr/>
         </p:nvPicPr>
         <p:blipFill rotWithShape="1">
-          <a:blip r:embed="rId5" cstate="print">
+          <a:blip r:embed="rId4" cstate="print">
             <a:extLst>
               <a:ext uri="{28A0092B-C50C-407E-A947-70E740481C1C}">
                 <a14:useLocalDpi xmlns:a14="http://schemas.microsoft.com/office/drawing/2010/main" val="0"/>
@@ -4662,11 +5492,13 @@
           </a:stretch>
         </p:blipFill>
         <p:spPr>
-          <a:xfrm rot="0">
+          <a:xfrm>
             <a:off x="6676390" y="5009515"/>
             <a:ext cx="2541270" cy="279400"/>
           </a:xfrm>
-          <a:prstGeom prst="rect"/>
+          <a:prstGeom prst="rect">
+            <a:avLst/>
+          </a:prstGeom>
           <a:noFill/>
         </p:spPr>
       </p:pic>
@@ -4679,11 +5511,13 @@
           <p:nvPr/>
         </p:nvSpPr>
         <p:spPr>
-          <a:xfrm rot="0">
+          <a:xfrm>
             <a:off x="7291070" y="2527935"/>
             <a:ext cx="648970" cy="179070"/>
           </a:xfrm>
-          <a:prstGeom prst="rect"/>
+          <a:prstGeom prst="rect">
+            <a:avLst/>
+          </a:prstGeom>
           <a:solidFill>
             <a:schemeClr val="bg1"/>
           </a:solidFill>
@@ -4709,7 +5543,7 @@
           </a:fontRef>
         </p:style>
         <p:txBody>
-          <a:bodyPr wrap="square" lIns="91440" tIns="45720" rIns="91440" bIns="45720" vert="horz" anchor="ctr">
+          <a:bodyPr vert="horz" wrap="square" lIns="91440" tIns="45720" rIns="91440" bIns="45720" anchor="ctr">
             <a:noAutofit/>
           </a:bodyPr>
           <a:lstStyle/>
@@ -4731,7 +5565,7 @@
           <p:nvPr/>
         </p:nvPicPr>
         <p:blipFill rotWithShape="1">
-          <a:blip r:embed="rId7" cstate="print">
+          <a:blip r:embed="rId5" cstate="print">
             <a:extLst>
               <a:ext uri="{28A0092B-C50C-407E-A947-70E740481C1C}">
                 <a14:useLocalDpi xmlns:a14="http://schemas.microsoft.com/office/drawing/2010/main" val="0"/>
@@ -4744,11 +5578,13 @@
           </a:stretch>
         </p:blipFill>
         <p:spPr>
-          <a:xfrm rot="0">
+          <a:xfrm>
             <a:off x="7317105" y="2493645"/>
             <a:ext cx="157480" cy="207645"/>
           </a:xfrm>
-          <a:prstGeom prst="rect"/>
+          <a:prstGeom prst="rect">
+            <a:avLst/>
+          </a:prstGeom>
           <a:noFill/>
         </p:spPr>
       </p:pic>
@@ -4759,7 +5595,7 @@
           <p:nvPr/>
         </p:nvGrpSpPr>
         <p:grpSpPr>
-          <a:xfrm rot="0">
+          <a:xfrm>
             <a:off x="6736715" y="4786630"/>
             <a:ext cx="626110" cy="181610"/>
             <a:chOff x="6736715" y="4786630"/>
@@ -4775,7 +5611,7 @@
             <p:nvPr/>
           </p:nvPicPr>
           <p:blipFill rotWithShape="1">
-            <a:blip r:embed="rId8" cstate="print">
+            <a:blip r:embed="rId6" cstate="print">
               <a:extLst>
                 <a:ext uri="{28A0092B-C50C-407E-A947-70E740481C1C}">
                   <a14:useLocalDpi xmlns:a14="http://schemas.microsoft.com/office/drawing/2010/main" val="0"/>
@@ -4787,11 +5623,13 @@
             </a:stretch>
           </p:blipFill>
           <p:spPr>
-            <a:xfrm rot="0">
+            <a:xfrm>
               <a:off x="6736715" y="4786630"/>
               <a:ext cx="196215" cy="181610"/>
             </a:xfrm>
-            <a:prstGeom prst="rect"/>
+            <a:prstGeom prst="rect">
+              <a:avLst/>
+            </a:prstGeom>
             <a:noFill/>
           </p:spPr>
         </p:pic>
@@ -4804,7 +5642,7 @@
             <p:nvPr/>
           </p:nvPicPr>
           <p:blipFill rotWithShape="1">
-            <a:blip r:embed="rId9" cstate="print">
+            <a:blip r:embed="rId7" cstate="print">
               <a:extLst>
                 <a:ext uri="{28A0092B-C50C-407E-A947-70E740481C1C}">
                   <a14:useLocalDpi xmlns:a14="http://schemas.microsoft.com/office/drawing/2010/main" val="0"/>
@@ -4817,11 +5655,13 @@
             </a:stretch>
           </p:blipFill>
           <p:spPr>
-            <a:xfrm rot="0">
+            <a:xfrm>
               <a:off x="6918325" y="4811395"/>
               <a:ext cx="444500" cy="110490"/>
             </a:xfrm>
-            <a:prstGeom prst="rect"/>
+            <a:prstGeom prst="rect">
+              <a:avLst/>
+            </a:prstGeom>
             <a:noFill/>
           </p:spPr>
         </p:pic>
@@ -4835,28 +5675,65 @@
           <p:nvPr/>
         </p:nvSpPr>
         <p:spPr>
-          <a:xfrm rot="0">
+          <a:xfrm>
             <a:off x="147955" y="1026795"/>
-            <a:ext cx="2699385" cy="831215"/>
-          </a:xfrm>
-          <a:prstGeom prst="rect"/>
+            <a:ext cx="5744845" cy="6025938"/>
+          </a:xfrm>
+          <a:prstGeom prst="rect">
+            <a:avLst/>
+          </a:prstGeom>
           <a:noFill/>
         </p:spPr>
         <p:txBody>
-          <a:bodyPr wrap="square" lIns="0" tIns="0" rIns="0" bIns="0" vert="horz" anchor="t">
+          <a:bodyPr vert="horz" wrap="square" lIns="0" tIns="0" rIns="0" bIns="0" anchor="t">
             <a:noAutofit/>
           </a:bodyPr>
           <a:lstStyle/>
           <a:p>
             <a:pPr marL="0" indent="0" hangingPunct="1"/>
             <a:r>
-              <a:rPr sz="1800">
+              <a:rPr sz="1800" dirty="0">
                 <a:latin typeface="맑은 고딕" charset="0"/>
                 <a:ea typeface="맑은 고딕" charset="0"/>
               </a:rPr>
-              <a:t>- 이미지 업로드는 하나만</a:t>
-            </a:r>
-            <a:endParaRPr lang="ko-KR" altLang="en-US" sz="1800">
+              <a:t>- </a:t>
+            </a:r>
+            <a:r>
+              <a:rPr sz="1800" dirty="0" err="1">
+                <a:latin typeface="맑은 고딕" charset="0"/>
+                <a:ea typeface="맑은 고딕" charset="0"/>
+              </a:rPr>
+              <a:t>이미지</a:t>
+            </a:r>
+            <a:r>
+              <a:rPr sz="1800" dirty="0">
+                <a:latin typeface="맑은 고딕" charset="0"/>
+                <a:ea typeface="맑은 고딕" charset="0"/>
+              </a:rPr>
+              <a:t> </a:t>
+            </a:r>
+            <a:r>
+              <a:rPr sz="1800" dirty="0" err="1">
+                <a:latin typeface="맑은 고딕" charset="0"/>
+                <a:ea typeface="맑은 고딕" charset="0"/>
+              </a:rPr>
+              <a:t>업로드는</a:t>
+            </a:r>
+            <a:r>
+              <a:rPr sz="1800" dirty="0">
+                <a:latin typeface="맑은 고딕" charset="0"/>
+                <a:ea typeface="맑은 고딕" charset="0"/>
+              </a:rPr>
+              <a:t> </a:t>
+            </a:r>
+            <a:r>
+              <a:rPr sz="1800" dirty="0" err="1">
+                <a:latin typeface="맑은 고딕" charset="0"/>
+                <a:ea typeface="맑은 고딕" charset="0"/>
+              </a:rPr>
+              <a:t>하나만</a:t>
+            </a:r>
+            <a:endParaRPr lang="ko-KR" altLang="en-US" sz="1800" dirty="0">
               <a:latin typeface="맑은 고딕" charset="0"/>
               <a:ea typeface="맑은 고딕" charset="0"/>
             </a:endParaRPr>
@@ -4864,20 +5741,100 @@
           <a:p>
             <a:pPr marL="0" indent="0" hangingPunct="1"/>
             <a:r>
-              <a:rPr sz="1800">
+              <a:rPr sz="1800" dirty="0">
                 <a:latin typeface="맑은 고딕" charset="0"/>
                 <a:ea typeface="맑은 고딕" charset="0"/>
               </a:rPr>
-              <a:t>(슬라이드X)</a:t>
-            </a:r>
-            <a:endParaRPr lang="ko-KR" altLang="en-US" sz="1800">
+              <a:t>(</a:t>
+            </a:r>
+            <a:r>
+              <a:rPr sz="1800" dirty="0" err="1">
+                <a:latin typeface="맑은 고딕" charset="0"/>
+                <a:ea typeface="맑은 고딕" charset="0"/>
+              </a:rPr>
+              <a:t>슬라이드X</a:t>
+            </a:r>
+            <a:r>
+              <a:rPr sz="1800" dirty="0" smtClean="0">
+                <a:latin typeface="맑은 고딕" charset="0"/>
+                <a:ea typeface="맑은 고딕" charset="0"/>
+              </a:rPr>
+              <a:t>)</a:t>
+            </a:r>
+            <a:endParaRPr lang="en-US" sz="1800" dirty="0" smtClean="0">
               <a:latin typeface="맑은 고딕" charset="0"/>
               <a:ea typeface="맑은 고딕" charset="0"/>
             </a:endParaRPr>
           </a:p>
           <a:p>
             <a:pPr marL="0" indent="0" hangingPunct="1"/>
-            <a:endParaRPr lang="ko-KR" altLang="en-US" sz="1800">
+            <a:endParaRPr lang="en-US" altLang="ko-KR" dirty="0">
+              <a:latin typeface="맑은 고딕" charset="0"/>
+              <a:ea typeface="맑은 고딕" charset="0"/>
+            </a:endParaRPr>
+          </a:p>
+          <a:p>
+            <a:pPr marL="0" indent="0" hangingPunct="1"/>
+            <a:r>
+              <a:rPr lang="en-US" altLang="ko-KR" sz="1800" dirty="0" smtClean="0">
+                <a:latin typeface="맑은 고딕" charset="0"/>
+                <a:ea typeface="맑은 고딕" charset="0"/>
+              </a:rPr>
+              <a:t>Html </a:t>
+            </a:r>
+          </a:p>
+          <a:p>
+            <a:pPr marL="0" indent="0" hangingPunct="1"/>
+            <a:r>
+              <a:rPr lang="en-US" altLang="ko-KR" dirty="0" smtClean="0">
+                <a:latin typeface="맑은 고딕" charset="0"/>
+                <a:ea typeface="맑은 고딕" charset="0"/>
+              </a:rPr>
+              <a:t>&lt;</a:t>
+            </a:r>
+            <a:r>
+              <a:rPr lang="en-US" altLang="ko-KR" dirty="0" err="1" smtClean="0">
+                <a:latin typeface="맑은 고딕" charset="0"/>
+                <a:ea typeface="맑은 고딕" charset="0"/>
+              </a:rPr>
+              <a:t>textarea</a:t>
+            </a:r>
+            <a:r>
+              <a:rPr lang="en-US" altLang="ko-KR" dirty="0" smtClean="0">
+                <a:latin typeface="맑은 고딕" charset="0"/>
+                <a:ea typeface="맑은 고딕" charset="0"/>
+              </a:rPr>
+              <a:t> placeholder=“”&gt;&lt;/</a:t>
+            </a:r>
+            <a:r>
+              <a:rPr lang="en-US" altLang="ko-KR" dirty="0" err="1" smtClean="0">
+                <a:latin typeface="맑은 고딕" charset="0"/>
+                <a:ea typeface="맑은 고딕" charset="0"/>
+              </a:rPr>
+              <a:t>textarea</a:t>
+            </a:r>
+            <a:r>
+              <a:rPr lang="en-US" altLang="ko-KR" dirty="0" smtClean="0">
+                <a:latin typeface="맑은 고딕" charset="0"/>
+                <a:ea typeface="맑은 고딕" charset="0"/>
+              </a:rPr>
+              <a:t>&gt;</a:t>
+            </a:r>
+            <a:endParaRPr lang="en-US" altLang="ko-KR" sz="1800" dirty="0" smtClean="0">
+              <a:latin typeface="맑은 고딕" charset="0"/>
+              <a:ea typeface="맑은 고딕" charset="0"/>
+            </a:endParaRPr>
+          </a:p>
+          <a:p>
+            <a:pPr marL="0" indent="0" hangingPunct="1"/>
+            <a:endParaRPr lang="ko-KR" altLang="en-US" sz="1800" dirty="0">
+              <a:latin typeface="맑은 고딕" charset="0"/>
+              <a:ea typeface="맑은 고딕" charset="0"/>
+            </a:endParaRPr>
+          </a:p>
+          <a:p>
+            <a:pPr marL="0" indent="0" hangingPunct="1"/>
+            <a:endParaRPr lang="ko-KR" altLang="en-US" sz="1800" dirty="0">
               <a:latin typeface="맑은 고딕" charset="0"/>
               <a:ea typeface="맑은 고딕" charset="0"/>
             </a:endParaRPr>
@@ -4893,7 +5850,7 @@
           <p:nvPr/>
         </p:nvPicPr>
         <p:blipFill rotWithShape="1">
-          <a:blip r:embed="rId10" cstate="print">
+          <a:blip r:embed="rId8" cstate="print">
             <a:extLst>
               <a:ext uri="{28A0092B-C50C-407E-A947-70E740481C1C}">
                 <a14:useLocalDpi xmlns:a14="http://schemas.microsoft.com/office/drawing/2010/main" val="0"/>
@@ -4906,11 +5863,13 @@
           </a:stretch>
         </p:blipFill>
         <p:spPr>
-          <a:xfrm rot="0">
+          <a:xfrm>
             <a:off x="6739255" y="2351405"/>
             <a:ext cx="2262505" cy="1078865"/>
           </a:xfrm>
-          <a:prstGeom prst="rect"/>
+          <a:prstGeom prst="rect">
+            <a:avLst/>
+          </a:prstGeom>
           <a:noFill/>
         </p:spPr>
       </p:pic>
@@ -4923,11 +5882,13 @@
           <p:nvPr/>
         </p:nvSpPr>
         <p:spPr>
-          <a:xfrm rot="0">
+          <a:xfrm>
             <a:off x="7376795" y="2559050"/>
             <a:ext cx="235585" cy="165735"/>
           </a:xfrm>
-          <a:prstGeom prst="rect"/>
+          <a:prstGeom prst="rect">
+            <a:avLst/>
+          </a:prstGeom>
           <a:noFill/>
           <a:ln w="19050" cap="flat" cmpd="sng">
             <a:solidFill>
@@ -4956,7 +5917,7 @@
           </a:fontRef>
         </p:style>
         <p:txBody>
-          <a:bodyPr wrap="square" lIns="91440" tIns="45720" rIns="91440" bIns="45720" numCol="1" vert="horz" anchor="ctr">
+          <a:bodyPr vert="horz" wrap="square" lIns="91440" tIns="45720" rIns="91440" bIns="45720" numCol="1" anchor="ctr">
             <a:noAutofit/>
           </a:bodyPr>
           <a:lstStyle/>
@@ -4981,11 +5942,13 @@
           <p:nvPr/>
         </p:nvSpPr>
         <p:spPr>
-          <a:xfrm rot="0">
+          <a:xfrm>
             <a:off x="7319645" y="2767330"/>
             <a:ext cx="385445" cy="153035"/>
           </a:xfrm>
-          <a:prstGeom prst="rect"/>
+          <a:prstGeom prst="rect">
+            <a:avLst/>
+          </a:prstGeom>
           <a:noFill/>
           <a:ln w="19050" cap="flat" cmpd="sng">
             <a:solidFill>
@@ -5014,7 +5977,7 @@
           </a:fontRef>
         </p:style>
         <p:txBody>
-          <a:bodyPr wrap="square" lIns="91440" tIns="45720" rIns="91440" bIns="45720" numCol="1" vert="horz" anchor="ctr">
+          <a:bodyPr vert="horz" wrap="square" lIns="91440" tIns="45720" rIns="91440" bIns="45720" numCol="1" anchor="ctr">
             <a:noAutofit/>
           </a:bodyPr>
           <a:lstStyle/>
@@ -5030,10 +5993,6 @@
               </a:rPr>
               <a:t> </a:t>
             </a:r>
-            <a:endParaRPr lang="ko-KR" altLang="en-US" sz="1800">
-              <a:latin typeface="맑은 고딕" charset="0"/>
-              <a:ea typeface="맑은 고딕" charset="0"/>
-            </a:endParaRPr>
           </a:p>
         </p:txBody>
       </p:sp>
@@ -5046,11 +6005,13 @@
           <p:nvPr/>
         </p:nvSpPr>
         <p:spPr>
-          <a:xfrm rot="0">
+          <a:xfrm>
             <a:off x="10274935" y="-475615"/>
             <a:ext cx="4703445" cy="2643505"/>
           </a:xfrm>
-          <a:prstGeom prst="rect"/>
+          <a:prstGeom prst="rect">
+            <a:avLst/>
+          </a:prstGeom>
           <a:solidFill>
             <a:schemeClr val="tx1">
               <a:alpha val="53772"/>
@@ -5074,7 +6035,7 @@
           </a:fontRef>
         </p:style>
         <p:txBody>
-          <a:bodyPr wrap="square" lIns="91440" tIns="45720" rIns="91440" bIns="45720" numCol="1" vert="horz" anchor="ctr">
+          <a:bodyPr vert="horz" wrap="square" lIns="91440" tIns="45720" rIns="91440" bIns="45720" numCol="1" anchor="ctr">
             <a:noAutofit/>
           </a:bodyPr>
           <a:lstStyle/>
@@ -5096,7 +6057,7 @@
           <p:nvPr/>
         </p:nvPicPr>
         <p:blipFill rotWithShape="1">
-          <a:blip r:embed="rId11" cstate="print">
+          <a:blip r:embed="rId9" cstate="print">
             <a:extLst>
               <a:ext uri="{28A0092B-C50C-407E-A947-70E740481C1C}">
                 <a14:useLocalDpi xmlns:a14="http://schemas.microsoft.com/office/drawing/2010/main" val="0"/>
@@ -5108,11 +6069,13 @@
           </a:stretch>
         </p:blipFill>
         <p:spPr>
-          <a:xfrm rot="0">
+          <a:xfrm>
             <a:off x="11791950" y="615315"/>
             <a:ext cx="1670685" cy="454025"/>
           </a:xfrm>
-          <a:prstGeom prst="rect"/>
+          <a:prstGeom prst="rect">
+            <a:avLst/>
+          </a:prstGeom>
           <a:noFill/>
         </p:spPr>
       </p:pic>
@@ -5123,11 +6086,13 @@
           <p:nvPr/>
         </p:nvCxnSpPr>
         <p:spPr>
-          <a:xfrm rot="0" flipH="1">
+          <a:xfrm flipH="1">
             <a:off x="7670800" y="1845310"/>
             <a:ext cx="2509520" cy="783590"/>
           </a:xfrm>
-          <a:prstGeom prst="line"/>
+          <a:prstGeom prst="line">
+            <a:avLst/>
+          </a:prstGeom>
           <a:ln w="38100" cap="flat" cmpd="sng">
             <a:solidFill>
               <a:srgbClr val="FF0000">
@@ -5162,15 +6127,17 @@
           <p:nvPr/>
         </p:nvSpPr>
         <p:spPr>
-          <a:xfrm rot="0">
+          <a:xfrm>
             <a:off x="11880215" y="288290"/>
             <a:ext cx="2699385" cy="277495"/>
           </a:xfrm>
-          <a:prstGeom prst="rect"/>
+          <a:prstGeom prst="rect">
+            <a:avLst/>
+          </a:prstGeom>
           <a:noFill/>
         </p:spPr>
         <p:txBody>
-          <a:bodyPr wrap="square" lIns="0" tIns="0" rIns="0" bIns="0" vert="horz" anchor="t">
+          <a:bodyPr vert="horz" wrap="square" lIns="0" tIns="0" rIns="0" bIns="0" anchor="t">
             <a:noAutofit/>
           </a:bodyPr>
           <a:lstStyle/>
@@ -5201,11 +6168,13 @@
           <p:nvPr/>
         </p:nvCxnSpPr>
         <p:spPr>
-          <a:xfrm rot="0" flipH="1">
+          <a:xfrm flipH="1">
             <a:off x="7742555" y="2809875"/>
             <a:ext cx="2783205" cy="33655"/>
           </a:xfrm>
-          <a:prstGeom prst="line"/>
+          <a:prstGeom prst="line">
+            <a:avLst/>
+          </a:prstGeom>
           <a:ln w="38100" cap="flat" cmpd="sng">
             <a:solidFill>
               <a:srgbClr val="FF0000">
@@ -5240,15 +6209,17 @@
           <p:nvPr/>
         </p:nvSpPr>
         <p:spPr>
-          <a:xfrm rot="0">
+          <a:xfrm>
             <a:off x="10649585" y="2705735"/>
             <a:ext cx="2699385" cy="277495"/>
           </a:xfrm>
-          <a:prstGeom prst="rect"/>
+          <a:prstGeom prst="rect">
+            <a:avLst/>
+          </a:prstGeom>
           <a:noFill/>
         </p:spPr>
         <p:txBody>
-          <a:bodyPr wrap="square" lIns="0" tIns="0" rIns="0" bIns="0" vert="horz" anchor="t">
+          <a:bodyPr vert="horz" wrap="square" lIns="0" tIns="0" rIns="0" bIns="0" anchor="t">
             <a:noAutofit/>
           </a:bodyPr>
           <a:lstStyle/>
@@ -5274,11 +6245,13 @@
           <p:nvPr/>
         </p:nvSpPr>
         <p:spPr>
-          <a:xfrm rot="0">
+          <a:xfrm>
             <a:off x="7317740" y="3142615"/>
             <a:ext cx="374650" cy="161925"/>
           </a:xfrm>
-          <a:prstGeom prst="rect"/>
+          <a:prstGeom prst="rect">
+            <a:avLst/>
+          </a:prstGeom>
           <a:noFill/>
           <a:ln w="19050" cap="flat" cmpd="sng">
             <a:solidFill>
@@ -5307,7 +6280,7 @@
           </a:fontRef>
         </p:style>
         <p:txBody>
-          <a:bodyPr wrap="square" lIns="91440" tIns="45720" rIns="91440" bIns="45720" numCol="1" vert="horz" anchor="ctr">
+          <a:bodyPr vert="horz" wrap="square" lIns="91440" tIns="45720" rIns="91440" bIns="45720" numCol="1" anchor="ctr">
             <a:noAutofit/>
           </a:bodyPr>
           <a:lstStyle/>
@@ -5330,11 +6303,13 @@
           <p:nvPr/>
         </p:nvCxnSpPr>
         <p:spPr>
-          <a:xfrm rot="0" flipH="1">
+          <a:xfrm flipH="1">
             <a:off x="7719060" y="3207385"/>
             <a:ext cx="2783205" cy="33655"/>
           </a:xfrm>
-          <a:prstGeom prst="line"/>
+          <a:prstGeom prst="line">
+            <a:avLst/>
+          </a:prstGeom>
           <a:ln w="38100" cap="flat" cmpd="sng">
             <a:solidFill>
               <a:srgbClr val="FF0000">
@@ -5369,15 +6344,17 @@
           <p:nvPr/>
         </p:nvSpPr>
         <p:spPr>
-          <a:xfrm rot="0">
+          <a:xfrm>
             <a:off x="10673080" y="3052445"/>
             <a:ext cx="2699385" cy="554355"/>
           </a:xfrm>
-          <a:prstGeom prst="rect"/>
+          <a:prstGeom prst="rect">
+            <a:avLst/>
+          </a:prstGeom>
           <a:noFill/>
         </p:spPr>
         <p:txBody>
-          <a:bodyPr wrap="square" lIns="0" tIns="0" rIns="0" bIns="0" vert="horz" anchor="t">
+          <a:bodyPr vert="horz" wrap="square" lIns="0" tIns="0" rIns="0" bIns="0" anchor="t">
             <a:noAutofit/>
           </a:bodyPr>
           <a:lstStyle/>
@@ -5404,11 +6381,11 @@
   <p:clrMapOvr>
     <a:masterClrMapping/>
   </p:clrMapOvr>
-  <mc:AlternateContent xmlns:mc="http://schemas.openxmlformats.org/markup-compatibility/2006">
-    <mc:Choice xmlns:p14="http://schemas.microsoft.com/office/powerpoint/2010/main" Requires="p14">
+  <mc:AlternateContent xmlns:mc="http://schemas.openxmlformats.org/markup-compatibility/2006" xmlns:p14="http://schemas.microsoft.com/office/powerpoint/2010/main">
+    <mc:Choice Requires="p14">
       <p:transition spd="slow" p14:dur="2000"/>
     </mc:Choice>
-    <mc:Fallback>
+    <mc:Fallback xmlns="">
       <p:transition spd="slow"/>
     </mc:Fallback>
   </mc:AlternateContent>
@@ -5423,7 +6400,7 @@
 </file>
 
 <file path=ppt/slides/slide5.xml><?xml version="1.0" encoding="utf-8"?>
-<p:sld xmlns:a="http://schemas.openxmlformats.org/drawingml/2006/main" xmlns:r="http://schemas.openxmlformats.org/officeDocument/2006/relationships" xmlns:p="http://schemas.openxmlformats.org/presentationml/2006/main" xmlns:p14="http://schemas.microsoft.com/office/powerpoint/2010/main">
+<p:sld xmlns:a="http://schemas.openxmlformats.org/drawingml/2006/main" xmlns:r="http://schemas.openxmlformats.org/officeDocument/2006/relationships" xmlns:p="http://schemas.openxmlformats.org/presentationml/2006/main">
   <p:cSld>
     <p:spTree>
       <p:nvGrpSpPr>
@@ -5448,11 +6425,13 @@
           <p:nvPr/>
         </p:nvSpPr>
         <p:spPr>
-          <a:xfrm rot="0">
+          <a:xfrm>
             <a:off x="25400" y="0"/>
             <a:ext cx="12192635" cy="6858635"/>
           </a:xfrm>
-          <a:prstGeom prst="rect"/>
+          <a:prstGeom prst="rect">
+            <a:avLst/>
+          </a:prstGeom>
           <a:solidFill>
             <a:srgbClr val="FAFAFA"/>
           </a:solidFill>
@@ -5478,7 +6457,7 @@
           </a:fontRef>
         </p:style>
         <p:txBody>
-          <a:bodyPr wrap="square" lIns="91440" tIns="45720" rIns="91440" bIns="45720" numCol="1" vert="horz" anchor="ctr">
+          <a:bodyPr vert="horz" wrap="square" lIns="91440" tIns="45720" rIns="91440" bIns="45720" numCol="1" anchor="ctr">
             <a:noAutofit/>
           </a:bodyPr>
           <a:lstStyle/>
@@ -5513,11 +6492,13 @@
           </a:stretch>
         </p:blipFill>
         <p:spPr>
-          <a:xfrm rot="0">
+          <a:xfrm>
             <a:off x="0" y="0"/>
             <a:ext cx="12218035" cy="581660"/>
           </a:xfrm>
-          <a:prstGeom prst="rect"/>
+          <a:prstGeom prst="rect">
+            <a:avLst/>
+          </a:prstGeom>
           <a:noFill/>
         </p:spPr>
       </p:pic>
@@ -5530,11 +6511,13 @@
           <p:nvPr/>
         </p:nvSpPr>
         <p:spPr>
-          <a:xfrm rot="0">
+          <a:xfrm>
             <a:off x="6671945" y="581025"/>
             <a:ext cx="2664460" cy="6020435"/>
           </a:xfrm>
-          <a:prstGeom prst="rect"/>
+          <a:prstGeom prst="rect">
+            <a:avLst/>
+          </a:prstGeom>
           <a:solidFill>
             <a:srgbClr val="FAFAFA"/>
           </a:solidFill>
@@ -5560,7 +6543,7 @@
           </a:fontRef>
         </p:style>
         <p:txBody>
-          <a:bodyPr wrap="square" lIns="91440" tIns="45720" rIns="91440" bIns="45720" numCol="1" vert="horz" anchor="ctr">
+          <a:bodyPr vert="horz" wrap="square" lIns="91440" tIns="45720" rIns="91440" bIns="45720" numCol="1" anchor="ctr">
             <a:noAutofit/>
           </a:bodyPr>
           <a:lstStyle/>
@@ -5582,15 +6565,17 @@
           <p:nvPr/>
         </p:nvSpPr>
         <p:spPr>
-          <a:xfrm rot="0">
+          <a:xfrm>
             <a:off x="-720725" y="5080"/>
             <a:ext cx="640715" cy="368935"/>
           </a:xfrm>
-          <a:prstGeom prst="rect"/>
+          <a:prstGeom prst="rect">
+            <a:avLst/>
+          </a:prstGeom>
           <a:noFill/>
         </p:spPr>
         <p:txBody>
-          <a:bodyPr wrap="none" lIns="91440" tIns="45720" rIns="91440" bIns="45720" numCol="1" vert="horz" anchor="t">
+          <a:bodyPr vert="horz" wrap="none" lIns="91440" tIns="45720" rIns="91440" bIns="45720" numCol="1" anchor="t">
             <a:spAutoFit/>
           </a:bodyPr>
           <a:lstStyle/>
@@ -5603,7 +6588,6 @@
               <a:rPr lang="ko-KR" altLang="en-US"/>
               <a:t>삭제</a:t>
             </a:r>
-            <a:endParaRPr lang="ko-KR" altLang="en-US"/>
           </a:p>
         </p:txBody>
       </p:sp>
@@ -5628,11 +6612,13 @@
           </a:stretch>
         </p:blipFill>
         <p:spPr>
-          <a:xfrm rot="0">
+          <a:xfrm>
             <a:off x="2006600" y="581025"/>
             <a:ext cx="7330440" cy="5216525"/>
           </a:xfrm>
-          <a:prstGeom prst="rect"/>
+          <a:prstGeom prst="rect">
+            <a:avLst/>
+          </a:prstGeom>
           <a:noFill/>
         </p:spPr>
       </p:pic>
@@ -5658,11 +6644,13 @@
           </a:stretch>
         </p:blipFill>
         <p:spPr>
-          <a:xfrm rot="0">
+          <a:xfrm>
             <a:off x="2127250" y="5937250"/>
             <a:ext cx="7049135" cy="836930"/>
           </a:xfrm>
-          <a:prstGeom prst="rect"/>
+          <a:prstGeom prst="rect">
+            <a:avLst/>
+          </a:prstGeom>
           <a:noFill/>
         </p:spPr>
       </p:pic>
@@ -5679,7 +6667,9 @@
             <a:off x="0" y="-10795"/>
             <a:ext cx="12225020" cy="6870065"/>
           </a:xfrm>
-          <a:prstGeom prst="rect"/>
+          <a:prstGeom prst="rect">
+            <a:avLst/>
+          </a:prstGeom>
           <a:solidFill>
             <a:schemeClr val="tx1">
               <a:alpha val="54047"/>
@@ -5703,7 +6693,7 @@
           </a:fontRef>
         </p:style>
         <p:txBody>
-          <a:bodyPr wrap="square" lIns="91440" tIns="45720" rIns="91440" bIns="45720" numCol="1" vert="horz" anchor="ctr">
+          <a:bodyPr vert="horz" wrap="square" lIns="91440" tIns="45720" rIns="91440" bIns="45720" numCol="1" anchor="ctr">
             <a:noAutofit/>
           </a:bodyPr>
           <a:lstStyle/>
@@ -5725,11 +6715,13 @@
           <p:nvPr/>
         </p:nvSpPr>
         <p:spPr>
-          <a:xfrm rot="0">
+          <a:xfrm>
             <a:off x="8773795" y="709295"/>
             <a:ext cx="509270" cy="455930"/>
           </a:xfrm>
-          <a:prstGeom prst="rect"/>
+          <a:prstGeom prst="rect">
+            <a:avLst/>
+          </a:prstGeom>
           <a:noFill/>
           <a:ln w="57150" cap="flat" cmpd="sng">
             <a:solidFill>
@@ -5758,7 +6750,7 @@
           </a:fontRef>
         </p:style>
         <p:txBody>
-          <a:bodyPr wrap="square" lIns="91440" tIns="45720" rIns="91440" bIns="45720" numCol="1" vert="horz" anchor="ctr">
+          <a:bodyPr vert="horz" wrap="square" lIns="91440" tIns="45720" rIns="91440" bIns="45720" numCol="1" anchor="ctr">
             <a:noAutofit/>
           </a:bodyPr>
           <a:lstStyle/>
@@ -5783,15 +6775,17 @@
           <p:nvPr/>
         </p:nvSpPr>
         <p:spPr>
-          <a:xfrm rot="0">
+          <a:xfrm>
             <a:off x="8772525" y="1291590"/>
             <a:ext cx="2482850" cy="368935"/>
           </a:xfrm>
-          <a:prstGeom prst="rect"/>
+          <a:prstGeom prst="rect">
+            <a:avLst/>
+          </a:prstGeom>
           <a:noFill/>
         </p:spPr>
         <p:txBody>
-          <a:bodyPr wrap="none" lIns="91440" tIns="45720" rIns="91440" bIns="45720" numCol="1" vert="horz" anchor="t">
+          <a:bodyPr vert="horz" wrap="none" lIns="91440" tIns="45720" rIns="91440" bIns="45720" numCol="1" anchor="t">
             <a:spAutoFit/>
           </a:bodyPr>
           <a:lstStyle/>
@@ -5808,11 +6802,6 @@
               </a:rPr>
               <a:t>아이콘 클릭시 모달창 </a:t>
             </a:r>
-            <a:endParaRPr lang="ko-KR" altLang="en-US">
-              <a:solidFill>
-                <a:schemeClr val="bg1"/>
-              </a:solidFill>
-            </a:endParaRPr>
           </a:p>
         </p:txBody>
       </p:sp>
@@ -5837,11 +6826,13 @@
           </a:stretch>
         </p:blipFill>
         <p:spPr>
-          <a:xfrm rot="0">
+          <a:xfrm>
             <a:off x="4174490" y="2826385"/>
             <a:ext cx="3905885" cy="1457960"/>
           </a:xfrm>
-          <a:prstGeom prst="rect"/>
+          <a:prstGeom prst="rect">
+            <a:avLst/>
+          </a:prstGeom>
           <a:noFill/>
         </p:spPr>
       </p:pic>
@@ -5854,11 +6845,13 @@
           <p:nvPr/>
         </p:nvSpPr>
         <p:spPr>
-          <a:xfrm rot="0">
+          <a:xfrm>
             <a:off x="5880735" y="2864485"/>
             <a:ext cx="508635" cy="455295"/>
           </a:xfrm>
-          <a:prstGeom prst="rect"/>
+          <a:prstGeom prst="rect">
+            <a:avLst/>
+          </a:prstGeom>
           <a:noFill/>
           <a:ln w="57150" cap="flat" cmpd="sng">
             <a:solidFill>
@@ -5887,7 +6880,7 @@
           </a:fontRef>
         </p:style>
         <p:txBody>
-          <a:bodyPr wrap="square" lIns="91440" tIns="45720" rIns="91440" bIns="45720" vert="horz" anchor="ctr">
+          <a:bodyPr vert="horz" wrap="square" lIns="91440" tIns="45720" rIns="91440" bIns="45720" anchor="ctr">
             <a:noAutofit/>
           </a:bodyPr>
           <a:lstStyle/>
@@ -5905,11 +6898,11 @@
   <p:clrMapOvr>
     <a:masterClrMapping/>
   </p:clrMapOvr>
-  <mc:AlternateContent xmlns:mc="http://schemas.openxmlformats.org/markup-compatibility/2006">
-    <mc:Choice xmlns:p14="http://schemas.microsoft.com/office/powerpoint/2010/main" Requires="p14">
+  <mc:AlternateContent xmlns:mc="http://schemas.openxmlformats.org/markup-compatibility/2006" xmlns:p14="http://schemas.microsoft.com/office/powerpoint/2010/main">
+    <mc:Choice Requires="p14">
       <p:transition spd="slow" p14:dur="2000"/>
     </mc:Choice>
-    <mc:Fallback>
+    <mc:Fallback xmlns="">
       <p:transition spd="slow"/>
     </mc:Fallback>
   </mc:AlternateContent>
@@ -5924,7 +6917,7 @@
 </file>
 
 <file path=ppt/slides/slide6.xml><?xml version="1.0" encoding="utf-8"?>
-<p:sld xmlns:a="http://schemas.openxmlformats.org/drawingml/2006/main" xmlns:r="http://schemas.openxmlformats.org/officeDocument/2006/relationships" xmlns:p="http://schemas.openxmlformats.org/presentationml/2006/main" xmlns:p14="http://schemas.microsoft.com/office/powerpoint/2010/main">
+<p:sld xmlns:a="http://schemas.openxmlformats.org/drawingml/2006/main" xmlns:r="http://schemas.openxmlformats.org/officeDocument/2006/relationships" xmlns:p="http://schemas.openxmlformats.org/presentationml/2006/main">
   <p:cSld>
     <p:spTree>
       <p:nvGrpSpPr>
@@ -5949,11 +6942,13 @@
           <p:nvPr/>
         </p:nvSpPr>
         <p:spPr>
-          <a:xfrm rot="0">
+          <a:xfrm>
             <a:off x="25400" y="0"/>
             <a:ext cx="12193270" cy="6859270"/>
           </a:xfrm>
-          <a:prstGeom prst="rect"/>
+          <a:prstGeom prst="rect">
+            <a:avLst/>
+          </a:prstGeom>
           <a:solidFill>
             <a:srgbClr val="FAFAFA"/>
           </a:solidFill>
@@ -5979,7 +6974,7 @@
           </a:fontRef>
         </p:style>
         <p:txBody>
-          <a:bodyPr wrap="square" lIns="91440" tIns="45720" rIns="91440" bIns="45720" numCol="1" vert="horz" anchor="ctr">
+          <a:bodyPr vert="horz" wrap="square" lIns="91440" tIns="45720" rIns="91440" bIns="45720" numCol="1" anchor="ctr">
             <a:noAutofit/>
           </a:bodyPr>
           <a:lstStyle/>
@@ -6003,7 +6998,7 @@
           <p:nvPr/>
         </p:nvGrpSpPr>
         <p:grpSpPr>
-          <a:xfrm rot="0">
+          <a:xfrm>
             <a:off x="3244850" y="798195"/>
             <a:ext cx="5186680" cy="4631690"/>
             <a:chOff x="3244850" y="798195"/>
@@ -6017,7 +7012,7 @@
             <p:nvPr/>
           </p:nvGrpSpPr>
           <p:grpSpPr>
-            <a:xfrm rot="0">
+            <a:xfrm>
               <a:off x="3244850" y="798195"/>
               <a:ext cx="5186680" cy="4631690"/>
               <a:chOff x="3244850" y="798195"/>
@@ -6033,11 +7028,13 @@
               <p:nvPr/>
             </p:nvSpPr>
             <p:spPr>
-              <a:xfrm rot="0">
+              <a:xfrm>
                 <a:off x="3255645" y="798195"/>
                 <a:ext cx="5175885" cy="4631690"/>
               </a:xfrm>
-              <a:prstGeom prst="rect"/>
+              <a:prstGeom prst="rect">
+                <a:avLst/>
+              </a:prstGeom>
               <a:solidFill>
                 <a:schemeClr val="bg1"/>
               </a:solidFill>
@@ -6063,7 +7060,7 @@
               </a:fontRef>
             </p:style>
             <p:txBody>
-              <a:bodyPr wrap="square" lIns="91440" tIns="45720" rIns="91440" bIns="45720" vert="horz" anchor="ctr">
+              <a:bodyPr vert="horz" wrap="square" lIns="91440" tIns="45720" rIns="91440" bIns="45720" anchor="ctr">
                 <a:noAutofit/>
               </a:bodyPr>
               <a:lstStyle/>
@@ -6097,11 +7094,13 @@
               </a:stretch>
             </p:blipFill>
             <p:spPr>
-              <a:xfrm rot="0">
+              <a:xfrm>
                 <a:off x="3244850" y="830580"/>
                 <a:ext cx="3162935" cy="1496060"/>
               </a:xfrm>
-              <a:prstGeom prst="rect"/>
+              <a:prstGeom prst="rect">
+                <a:avLst/>
+              </a:prstGeom>
               <a:noFill/>
             </p:spPr>
           </p:pic>
@@ -6113,7 +7112,7 @@
             <p:nvPr/>
           </p:nvGrpSpPr>
           <p:grpSpPr>
-            <a:xfrm rot="0">
+            <a:xfrm>
               <a:off x="3260090" y="4879340"/>
               <a:ext cx="5165090" cy="490855"/>
               <a:chOff x="3260090" y="4879340"/>
@@ -6141,11 +7140,13 @@
               </a:stretch>
             </p:blipFill>
             <p:spPr>
-              <a:xfrm rot="0">
+              <a:xfrm>
                 <a:off x="7110095" y="4925060"/>
                 <a:ext cx="610235" cy="419735"/>
               </a:xfrm>
-              <a:prstGeom prst="rect"/>
+              <a:prstGeom prst="rect">
+                <a:avLst/>
+              </a:prstGeom>
               <a:noFill/>
             </p:spPr>
           </p:pic>
@@ -6170,11 +7171,13 @@
               </a:stretch>
             </p:blipFill>
             <p:spPr>
-              <a:xfrm rot="0">
+              <a:xfrm>
                 <a:off x="3260090" y="4940935"/>
                 <a:ext cx="467360" cy="429260"/>
               </a:xfrm>
-              <a:prstGeom prst="rect"/>
+              <a:prstGeom prst="rect">
+                <a:avLst/>
+              </a:prstGeom>
               <a:noFill/>
             </p:spPr>
           </p:pic>
@@ -6185,11 +7188,13 @@
               <p:nvPr/>
             </p:nvCxnSpPr>
             <p:spPr>
-              <a:xfrm rot="0">
+              <a:xfrm>
                 <a:off x="3302000" y="4879340"/>
                 <a:ext cx="5123180" cy="635"/>
               </a:xfrm>
-              <a:prstGeom prst="line"/>
+              <a:prstGeom prst="line">
+                <a:avLst/>
+              </a:prstGeom>
               <a:ln w="6350" cap="flat" cmpd="sng">
                 <a:solidFill>
                   <a:schemeClr val="bg2">
@@ -6240,11 +7245,13 @@
           </a:stretch>
         </p:blipFill>
         <p:spPr>
-          <a:xfrm rot="0">
+          <a:xfrm>
             <a:off x="0" y="0"/>
             <a:ext cx="12218035" cy="581660"/>
           </a:xfrm>
-          <a:prstGeom prst="rect"/>
+          <a:prstGeom prst="rect">
+            <a:avLst/>
+          </a:prstGeom>
           <a:noFill/>
         </p:spPr>
       </p:pic>
@@ -6270,11 +7277,13 @@
           </a:stretch>
         </p:blipFill>
         <p:spPr>
-          <a:xfrm rot="0">
+          <a:xfrm>
             <a:off x="3777615" y="6157595"/>
             <a:ext cx="4116070" cy="701675"/>
           </a:xfrm>
-          <a:prstGeom prst="rect"/>
+          <a:prstGeom prst="rect">
+            <a:avLst/>
+          </a:prstGeom>
           <a:noFill/>
         </p:spPr>
       </p:pic>
@@ -6287,11 +7296,13 @@
           <p:nvPr/>
         </p:nvSpPr>
         <p:spPr>
-          <a:xfrm rot="0">
+          <a:xfrm>
             <a:off x="8270875" y="3604895"/>
             <a:ext cx="81915" cy="401320"/>
           </a:xfrm>
-          <a:prstGeom prst="rect"/>
+          <a:prstGeom prst="rect">
+            <a:avLst/>
+          </a:prstGeom>
           <a:solidFill>
             <a:schemeClr val="bg1"/>
           </a:solidFill>
@@ -6317,7 +7328,7 @@
           </a:fontRef>
         </p:style>
         <p:txBody>
-          <a:bodyPr wrap="square" lIns="91440" tIns="45720" rIns="91440" bIns="45720" vert="horz" anchor="ctr">
+          <a:bodyPr vert="horz" wrap="square" lIns="91440" tIns="45720" rIns="91440" bIns="45720" anchor="ctr">
             <a:noAutofit/>
           </a:bodyPr>
           <a:lstStyle/>
@@ -6336,15 +7347,17 @@
           <p:nvPr/>
         </p:nvSpPr>
         <p:spPr>
-          <a:xfrm rot="0">
+          <a:xfrm>
             <a:off x="9161145" y="614045"/>
             <a:ext cx="640715" cy="368935"/>
           </a:xfrm>
-          <a:prstGeom prst="rect"/>
+          <a:prstGeom prst="rect">
+            <a:avLst/>
+          </a:prstGeom>
           <a:noFill/>
         </p:spPr>
         <p:txBody>
-          <a:bodyPr wrap="none" lIns="91440" tIns="45720" rIns="91440" bIns="45720" numCol="1" vert="horz" anchor="t">
+          <a:bodyPr vert="horz" wrap="none" lIns="91440" tIns="45720" rIns="91440" bIns="45720" numCol="1" anchor="t">
             <a:spAutoFit/>
           </a:bodyPr>
           <a:lstStyle/>
@@ -6357,7 +7370,6 @@
               <a:rPr lang="ko-KR" altLang="en-US"/>
               <a:t>등록</a:t>
             </a:r>
-            <a:endParaRPr lang="ko-KR" altLang="en-US"/>
           </a:p>
         </p:txBody>
       </p:sp>
@@ -6368,7 +7380,7 @@
           <p:nvPr/>
         </p:nvGrpSpPr>
         <p:grpSpPr>
-          <a:xfrm rot="0">
+          <a:xfrm>
             <a:off x="3716020" y="963295"/>
             <a:ext cx="1121410" cy="296545"/>
             <a:chOff x="3716020" y="963295"/>
@@ -6384,11 +7396,13 @@
             <p:nvPr/>
           </p:nvSpPr>
           <p:spPr>
-            <a:xfrm rot="0">
+            <a:xfrm>
               <a:off x="3789045" y="1005205"/>
               <a:ext cx="1048385" cy="254635"/>
             </a:xfrm>
-            <a:prstGeom prst="rect"/>
+            <a:prstGeom prst="rect">
+              <a:avLst/>
+            </a:prstGeom>
             <a:solidFill>
               <a:schemeClr val="bg1"/>
             </a:solidFill>
@@ -6414,7 +7428,7 @@
             </a:fontRef>
           </p:style>
           <p:txBody>
-            <a:bodyPr wrap="square" lIns="91440" tIns="45720" rIns="91440" bIns="45720" vert="horz" anchor="ctr">
+            <a:bodyPr vert="horz" wrap="square" lIns="91440" tIns="45720" rIns="91440" bIns="45720" anchor="ctr">
               <a:noAutofit/>
             </a:bodyPr>
             <a:lstStyle/>
@@ -6448,11 +7462,13 @@
             </a:stretch>
           </p:blipFill>
           <p:spPr>
-            <a:xfrm rot="0">
+            <a:xfrm>
               <a:off x="3716020" y="963295"/>
               <a:ext cx="400685" cy="295910"/>
             </a:xfrm>
-            <a:prstGeom prst="rect"/>
+            <a:prstGeom prst="rect">
+              <a:avLst/>
+            </a:prstGeom>
             <a:noFill/>
           </p:spPr>
         </p:pic>
@@ -6478,11 +7494,13 @@
           </a:stretch>
         </p:blipFill>
         <p:spPr>
-          <a:xfrm rot="0">
+          <a:xfrm>
             <a:off x="7701915" y="4919980"/>
             <a:ext cx="572135" cy="400685"/>
           </a:xfrm>
-          <a:prstGeom prst="rect"/>
+          <a:prstGeom prst="rect">
+            <a:avLst/>
+          </a:prstGeom>
           <a:noFill/>
         </p:spPr>
       </p:pic>
@@ -6495,11 +7513,13 @@
           <p:nvPr/>
         </p:nvSpPr>
         <p:spPr>
-          <a:xfrm rot="0">
+          <a:xfrm>
             <a:off x="3248025" y="4912360"/>
             <a:ext cx="509270" cy="455930"/>
           </a:xfrm>
-          <a:prstGeom prst="rect"/>
+          <a:prstGeom prst="rect">
+            <a:avLst/>
+          </a:prstGeom>
           <a:noFill/>
           <a:ln w="57150" cap="flat" cmpd="sng">
             <a:solidFill>
@@ -6528,7 +7548,7 @@
           </a:fontRef>
         </p:style>
         <p:txBody>
-          <a:bodyPr wrap="square" lIns="91440" tIns="45720" rIns="91440" bIns="45720" numCol="1" vert="horz" anchor="ctr">
+          <a:bodyPr vert="horz" wrap="square" lIns="91440" tIns="45720" rIns="91440" bIns="45720" numCol="1" anchor="ctr">
             <a:noAutofit/>
           </a:bodyPr>
           <a:lstStyle/>
@@ -6565,14 +7585,16 @@
           </a:stretch>
         </p:blipFill>
         <p:spPr>
-          <a:xfrm rot="0">
+          <a:xfrm>
             <a:off x="138430" y="3766185"/>
             <a:ext cx="2992755" cy="1664970"/>
           </a:xfrm>
-          <a:prstGeom prst="rect"/>
+          <a:prstGeom prst="rect">
+            <a:avLst/>
+          </a:prstGeom>
           <a:noFill/>
           <a:effectLst>
-            <a:outerShdw sx="100000" sy="100000" blurRad="50800" dist="38100" dir="5400000" rotWithShape="0" algn="t">
+            <a:outerShdw blurRad="50800" dist="38100" dir="5400000" algn="t" rotWithShape="0">
               <a:srgbClr val="000000">
                 <a:alpha val="40000"/>
               </a:srgbClr>
@@ -6590,11 +7612,13 @@
           <p:nvPr/>
         </p:nvCxnSpPr>
         <p:spPr>
-          <a:xfrm rot="0" flipH="1" flipV="1">
+          <a:xfrm flipH="1" flipV="1">
             <a:off x="3130550" y="4598035"/>
             <a:ext cx="372745" cy="314960"/>
           </a:xfrm>
-          <a:prstGeom prst="line"/>
+          <a:prstGeom prst="line">
+            <a:avLst/>
+          </a:prstGeom>
           <a:ln w="38100" cap="flat" cmpd="sng">
             <a:solidFill>
               <a:srgbClr val="FF0000">
@@ -6631,11 +7655,13 @@
           <p:nvPr/>
         </p:nvSpPr>
         <p:spPr>
-          <a:xfrm rot="0">
+          <a:xfrm>
             <a:off x="3779520" y="5031105"/>
             <a:ext cx="1858645" cy="509270"/>
           </a:xfrm>
-          <a:prstGeom prst="rect"/>
+          <a:prstGeom prst="rect">
+            <a:avLst/>
+          </a:prstGeom>
           <a:noFill/>
           <a:ln w="0">
             <a:noFill/>
@@ -6643,7 +7669,7 @@
           </a:ln>
         </p:spPr>
         <p:txBody>
-          <a:bodyPr wrap="square" lIns="89535" tIns="46355" rIns="89535" bIns="46355" numCol="1" vert="horz" anchor="t">
+          <a:bodyPr vert="horz" wrap="square" lIns="89535" tIns="46355" rIns="89535" bIns="46355" numCol="1" anchor="t">
             <a:spAutoFit/>
           </a:bodyPr>
           <a:lstStyle/>
@@ -6682,35 +7708,72 @@
           <p:nvPr/>
         </p:nvSpPr>
         <p:spPr>
-          <a:xfrm rot="0">
+          <a:xfrm>
             <a:off x="232410" y="5546090"/>
             <a:ext cx="2699385" cy="554355"/>
           </a:xfrm>
-          <a:prstGeom prst="rect"/>
+          <a:prstGeom prst="rect">
+            <a:avLst/>
+          </a:prstGeom>
           <a:noFill/>
         </p:spPr>
         <p:txBody>
-          <a:bodyPr wrap="square" lIns="0" tIns="0" rIns="0" bIns="0" vert="horz" anchor="t">
+          <a:bodyPr vert="horz" wrap="square" lIns="0" tIns="0" rIns="0" bIns="0" anchor="t">
             <a:noAutofit/>
           </a:bodyPr>
           <a:lstStyle/>
           <a:p>
             <a:pPr marL="0" indent="0" hangingPunct="1"/>
             <a:r>
-              <a:rPr sz="1800">
+              <a:rPr sz="1800" dirty="0">
                 <a:latin typeface="맑은 고딕" charset="0"/>
                 <a:ea typeface="맑은 고딕" charset="0"/>
               </a:rPr>
-              <a:t>- 이미지 업로드는 하나만</a:t>
-            </a:r>
-            <a:endParaRPr lang="ko-KR" altLang="en-US" sz="1800">
+              <a:t>- </a:t>
+            </a:r>
+            <a:r>
+              <a:rPr sz="1800" dirty="0" err="1">
+                <a:latin typeface="맑은 고딕" charset="0"/>
+                <a:ea typeface="맑은 고딕" charset="0"/>
+              </a:rPr>
+              <a:t>이미지</a:t>
+            </a:r>
+            <a:r>
+              <a:rPr sz="1800" dirty="0">
+                <a:latin typeface="맑은 고딕" charset="0"/>
+                <a:ea typeface="맑은 고딕" charset="0"/>
+              </a:rPr>
+              <a:t> </a:t>
+            </a:r>
+            <a:r>
+              <a:rPr sz="1800" dirty="0" err="1">
+                <a:latin typeface="맑은 고딕" charset="0"/>
+                <a:ea typeface="맑은 고딕" charset="0"/>
+              </a:rPr>
+              <a:t>업로드는</a:t>
+            </a:r>
+            <a:r>
+              <a:rPr sz="1800" dirty="0">
+                <a:latin typeface="맑은 고딕" charset="0"/>
+                <a:ea typeface="맑은 고딕" charset="0"/>
+              </a:rPr>
+              <a:t> </a:t>
+            </a:r>
+            <a:r>
+              <a:rPr sz="1800" dirty="0" err="1">
+                <a:latin typeface="맑은 고딕" charset="0"/>
+                <a:ea typeface="맑은 고딕" charset="0"/>
+              </a:rPr>
+              <a:t>하나만</a:t>
+            </a:r>
+            <a:endParaRPr lang="ko-KR" altLang="en-US" sz="1800" dirty="0">
               <a:latin typeface="맑은 고딕" charset="0"/>
               <a:ea typeface="맑은 고딕" charset="0"/>
             </a:endParaRPr>
           </a:p>
           <a:p>
             <a:pPr marL="0" indent="0" hangingPunct="1"/>
-            <a:endParaRPr lang="ko-KR" altLang="en-US" sz="1800">
+            <a:endParaRPr lang="ko-KR" altLang="en-US" sz="1800" dirty="0">
               <a:latin typeface="맑은 고딕" charset="0"/>
               <a:ea typeface="맑은 고딕" charset="0"/>
             </a:endParaRPr>
@@ -6724,7 +7787,7 @@
           <p:nvPr/>
         </p:nvGrpSpPr>
         <p:grpSpPr>
-          <a:xfrm rot="0">
+          <a:xfrm>
             <a:off x="0" y="27305"/>
             <a:ext cx="12218035" cy="581660"/>
             <a:chOff x="0" y="27305"/>
@@ -6753,11 +7816,13 @@
             </a:stretch>
           </p:blipFill>
           <p:spPr>
-            <a:xfrm rot="0">
+            <a:xfrm>
               <a:off x="0" y="27305"/>
               <a:ext cx="12218035" cy="581660"/>
             </a:xfrm>
-            <a:prstGeom prst="rect"/>
+            <a:prstGeom prst="rect">
+              <a:avLst/>
+            </a:prstGeom>
             <a:noFill/>
           </p:spPr>
         </p:pic>
@@ -6770,15 +7835,17 @@
             <p:nvPr/>
           </p:nvSpPr>
           <p:spPr>
-            <a:xfrm rot="0">
+            <a:xfrm>
               <a:off x="9972675" y="246380"/>
               <a:ext cx="1560830" cy="139065"/>
             </a:xfrm>
-            <a:prstGeom prst="rect"/>
+            <a:prstGeom prst="rect">
+              <a:avLst/>
+            </a:prstGeom>
             <a:noFill/>
           </p:spPr>
           <p:txBody>
-            <a:bodyPr wrap="square" lIns="0" tIns="0" rIns="0" bIns="0" vert="horz" anchor="t">
+            <a:bodyPr vert="horz" wrap="square" lIns="0" tIns="0" rIns="0" bIns="0" anchor="t">
               <a:noAutofit/>
             </a:bodyPr>
             <a:lstStyle/>
@@ -6808,11 +7875,13 @@
           <p:nvPr/>
         </p:nvSpPr>
         <p:spPr>
-          <a:xfrm rot="0">
+          <a:xfrm>
             <a:off x="9059545" y="63500"/>
             <a:ext cx="508635" cy="455295"/>
           </a:xfrm>
-          <a:prstGeom prst="rect"/>
+          <a:prstGeom prst="rect">
+            <a:avLst/>
+          </a:prstGeom>
           <a:noFill/>
           <a:ln w="57150" cap="flat" cmpd="sng">
             <a:solidFill>
@@ -6841,7 +7910,7 @@
           </a:fontRef>
         </p:style>
         <p:txBody>
-          <a:bodyPr wrap="square" lIns="91440" tIns="45720" rIns="91440" bIns="45720" vert="horz" anchor="ctr">
+          <a:bodyPr vert="horz" wrap="square" lIns="91440" tIns="45720" rIns="91440" bIns="45720" anchor="ctr">
             <a:noAutofit/>
           </a:bodyPr>
           <a:lstStyle/>
@@ -6854,16 +7923,92 @@
           </a:p>
         </p:txBody>
       </p:sp>
+      <p:sp>
+        <p:nvSpPr>
+          <p:cNvPr id="30" name="텍스트 상자 29"/>
+          <p:cNvSpPr txBox="1">
+            <a:spLocks/>
+          </p:cNvSpPr>
+          <p:nvPr/>
+        </p:nvSpPr>
+        <p:spPr>
+          <a:xfrm>
+            <a:off x="138430" y="794154"/>
+            <a:ext cx="2699385" cy="2857096"/>
+          </a:xfrm>
+          <a:prstGeom prst="rect">
+            <a:avLst/>
+          </a:prstGeom>
+          <a:noFill/>
+        </p:spPr>
+        <p:txBody>
+          <a:bodyPr vert="horz" wrap="square" lIns="0" tIns="0" rIns="0" bIns="0" anchor="t">
+            <a:noAutofit/>
+          </a:bodyPr>
+          <a:lstStyle/>
+          <a:p>
+            <a:pPr marL="0" indent="0" hangingPunct="1"/>
+            <a:r>
+              <a:rPr lang="en-US" sz="1800" dirty="0" smtClean="0">
+                <a:latin typeface="맑은 고딕" charset="0"/>
+                <a:ea typeface="맑은 고딕" charset="0"/>
+              </a:rPr>
+              <a:t>Text-index</a:t>
+            </a:r>
+          </a:p>
+          <a:p>
+            <a:pPr marL="0" indent="0" hangingPunct="1"/>
+            <a:r>
+              <a:rPr lang="en-US" altLang="ko-KR" dirty="0" smtClean="0">
+                <a:latin typeface="맑은 고딕" charset="0"/>
+                <a:ea typeface="맑은 고딕" charset="0"/>
+              </a:rPr>
+              <a:t>:after {position: absolute;}</a:t>
+            </a:r>
+          </a:p>
+          <a:p>
+            <a:pPr marL="0" indent="0" hangingPunct="1"/>
+            <a:r>
+              <a:rPr lang="en-US" altLang="ko-KR" sz="1800" dirty="0" smtClean="0">
+                <a:latin typeface="맑은 고딕" charset="0"/>
+                <a:ea typeface="맑은 고딕" charset="0"/>
+              </a:rPr>
+              <a:t>Transform: translate()</a:t>
+            </a:r>
+          </a:p>
+          <a:p>
+            <a:pPr marL="0" indent="0" hangingPunct="1"/>
+            <a:r>
+              <a:rPr lang="en-US" altLang="ko-KR" dirty="0" smtClean="0">
+                <a:latin typeface="맑은 고딕" charset="0"/>
+                <a:ea typeface="맑은 고딕" charset="0"/>
+              </a:rPr>
+              <a:t>Position: relative</a:t>
+            </a:r>
+            <a:endParaRPr lang="en-US" altLang="ko-KR" sz="1800" dirty="0" smtClean="0">
+              <a:latin typeface="맑은 고딕" charset="0"/>
+              <a:ea typeface="맑은 고딕" charset="0"/>
+            </a:endParaRPr>
+          </a:p>
+          <a:p>
+            <a:pPr marL="0" indent="0" hangingPunct="1"/>
+            <a:endParaRPr lang="ko-KR" altLang="en-US" sz="1800" dirty="0">
+              <a:latin typeface="맑은 고딕" charset="0"/>
+              <a:ea typeface="맑은 고딕" charset="0"/>
+            </a:endParaRPr>
+          </a:p>
+        </p:txBody>
+      </p:sp>
     </p:spTree>
   </p:cSld>
   <p:clrMapOvr>
     <a:masterClrMapping/>
   </p:clrMapOvr>
-  <mc:AlternateContent xmlns:mc="http://schemas.openxmlformats.org/markup-compatibility/2006">
-    <mc:Choice xmlns:p14="http://schemas.microsoft.com/office/powerpoint/2010/main" Requires="p14">
+  <mc:AlternateContent xmlns:mc="http://schemas.openxmlformats.org/markup-compatibility/2006" xmlns:p14="http://schemas.microsoft.com/office/powerpoint/2010/main">
+    <mc:Choice Requires="p14">
       <p:transition spd="slow" p14:dur="2000"/>
     </mc:Choice>
-    <mc:Fallback>
+    <mc:Fallback xmlns="">
       <p:transition spd="slow"/>
     </mc:Fallback>
   </mc:AlternateContent>
@@ -6878,7 +8023,7 @@
 </file>
 
 <file path=ppt/slides/slide7.xml><?xml version="1.0" encoding="utf-8"?>
-<p:sld xmlns:a="http://schemas.openxmlformats.org/drawingml/2006/main" xmlns:r="http://schemas.openxmlformats.org/officeDocument/2006/relationships" xmlns:p="http://schemas.openxmlformats.org/presentationml/2006/main" xmlns:p14="http://schemas.microsoft.com/office/powerpoint/2010/main">
+<p:sld xmlns:a="http://schemas.openxmlformats.org/drawingml/2006/main" xmlns:r="http://schemas.openxmlformats.org/officeDocument/2006/relationships" xmlns:p="http://schemas.openxmlformats.org/presentationml/2006/main">
   <p:cSld>
     <p:spTree>
       <p:nvGrpSpPr>
@@ -6903,11 +8048,13 @@
           <p:nvPr/>
         </p:nvSpPr>
         <p:spPr>
-          <a:xfrm rot="0">
+          <a:xfrm>
             <a:off x="-635" y="0"/>
             <a:ext cx="12193270" cy="6859270"/>
           </a:xfrm>
-          <a:prstGeom prst="rect"/>
+          <a:prstGeom prst="rect">
+            <a:avLst/>
+          </a:prstGeom>
           <a:solidFill>
             <a:srgbClr val="FAFAFA"/>
           </a:solidFill>
@@ -6933,7 +8080,7 @@
           </a:fontRef>
         </p:style>
         <p:txBody>
-          <a:bodyPr wrap="square" lIns="91440" tIns="45720" rIns="91440" bIns="45720" numCol="1" vert="horz" anchor="ctr">
+          <a:bodyPr vert="horz" wrap="square" lIns="91440" tIns="45720" rIns="91440" bIns="45720" numCol="1" anchor="ctr">
             <a:noAutofit/>
           </a:bodyPr>
           <a:lstStyle/>
@@ -6946,7 +8093,6 @@
               <a:rPr lang="ko-KR" altLang="en-US"/>
               <a:t>  </a:t>
             </a:r>
-            <a:endParaRPr lang="ko-KR" altLang="en-US"/>
           </a:p>
         </p:txBody>
       </p:sp>
@@ -6972,11 +8118,13 @@
           </a:stretch>
         </p:blipFill>
         <p:spPr>
-          <a:xfrm rot="0">
+          <a:xfrm>
             <a:off x="0" y="0"/>
             <a:ext cx="12218035" cy="581660"/>
           </a:xfrm>
-          <a:prstGeom prst="rect"/>
+          <a:prstGeom prst="rect">
+            <a:avLst/>
+          </a:prstGeom>
           <a:noFill/>
         </p:spPr>
       </p:pic>
@@ -7002,11 +8150,13 @@
           </a:stretch>
         </p:blipFill>
         <p:spPr>
-          <a:xfrm rot="0">
+          <a:xfrm>
             <a:off x="3777615" y="6157595"/>
             <a:ext cx="4115435" cy="701040"/>
           </a:xfrm>
-          <a:prstGeom prst="rect"/>
+          <a:prstGeom prst="rect">
+            <a:avLst/>
+          </a:prstGeom>
           <a:noFill/>
         </p:spPr>
       </p:pic>
@@ -7019,15 +8169,17 @@
           <p:nvPr/>
         </p:nvSpPr>
         <p:spPr>
-          <a:xfrm rot="0">
+          <a:xfrm>
             <a:off x="337185" y="614045"/>
             <a:ext cx="640715" cy="368935"/>
           </a:xfrm>
-          <a:prstGeom prst="rect"/>
+          <a:prstGeom prst="rect">
+            <a:avLst/>
+          </a:prstGeom>
           <a:noFill/>
         </p:spPr>
         <p:txBody>
-          <a:bodyPr wrap="none" lIns="91440" tIns="45720" rIns="91440" bIns="45720" numCol="1" vert="horz" anchor="t">
+          <a:bodyPr vert="horz" wrap="none" lIns="91440" tIns="45720" rIns="91440" bIns="45720" numCol="1" anchor="t">
             <a:spAutoFit/>
           </a:bodyPr>
           <a:lstStyle/>
@@ -7040,7 +8192,6 @@
               <a:rPr lang="ko-KR" altLang="en-US"/>
               <a:t>수정</a:t>
             </a:r>
-            <a:endParaRPr lang="ko-KR" altLang="en-US"/>
           </a:p>
         </p:txBody>
       </p:sp>
@@ -7051,7 +8202,7 @@
           <p:nvPr/>
         </p:nvGrpSpPr>
         <p:grpSpPr>
-          <a:xfrm rot="0">
+          <a:xfrm>
             <a:off x="3244850" y="797560"/>
             <a:ext cx="5186680" cy="5160645"/>
             <a:chOff x="3244850" y="797560"/>
@@ -7067,11 +8218,13 @@
             <p:nvPr/>
           </p:nvSpPr>
           <p:spPr>
-            <a:xfrm rot="0">
+            <a:xfrm>
               <a:off x="3255645" y="797560"/>
               <a:ext cx="5175885" cy="5160645"/>
             </a:xfrm>
-            <a:prstGeom prst="rect"/>
+            <a:prstGeom prst="rect">
+              <a:avLst/>
+            </a:prstGeom>
             <a:solidFill>
               <a:schemeClr val="bg1"/>
             </a:solidFill>
@@ -7097,7 +8250,7 @@
             </a:fontRef>
           </p:style>
           <p:txBody>
-            <a:bodyPr wrap="square" lIns="91440" tIns="45720" rIns="91440" bIns="45720" vert="horz" anchor="ctr">
+            <a:bodyPr vert="horz" wrap="square" lIns="91440" tIns="45720" rIns="91440" bIns="45720" anchor="ctr">
               <a:noAutofit/>
             </a:bodyPr>
             <a:lstStyle/>
@@ -7131,11 +8284,13 @@
             </a:stretch>
           </p:blipFill>
           <p:spPr>
-            <a:xfrm rot="0">
+            <a:xfrm>
               <a:off x="3244850" y="833755"/>
               <a:ext cx="3162935" cy="1666240"/>
             </a:xfrm>
-            <a:prstGeom prst="rect"/>
+            <a:prstGeom prst="rect">
+              <a:avLst/>
+            </a:prstGeom>
             <a:noFill/>
           </p:spPr>
         </p:pic>
@@ -7147,7 +8302,7 @@
           <p:nvPr/>
         </p:nvGrpSpPr>
         <p:grpSpPr>
-          <a:xfrm rot="0">
+          <a:xfrm>
             <a:off x="3260090" y="5393055"/>
             <a:ext cx="5165090" cy="692150"/>
             <a:chOff x="3260090" y="5393055"/>
@@ -7175,11 +8330,13 @@
             </a:stretch>
           </p:blipFill>
           <p:spPr>
-            <a:xfrm rot="0">
+            <a:xfrm>
               <a:off x="7057390" y="5438775"/>
               <a:ext cx="610235" cy="419735"/>
             </a:xfrm>
-            <a:prstGeom prst="rect"/>
+            <a:prstGeom prst="rect">
+              <a:avLst/>
+            </a:prstGeom>
             <a:noFill/>
           </p:spPr>
         </p:pic>
@@ -7204,11 +8361,13 @@
             </a:stretch>
           </p:blipFill>
           <p:spPr>
-            <a:xfrm rot="0">
+            <a:xfrm>
               <a:off x="3260090" y="5454650"/>
               <a:ext cx="467360" cy="429260"/>
             </a:xfrm>
-            <a:prstGeom prst="rect"/>
+            <a:prstGeom prst="rect">
+              <a:avLst/>
+            </a:prstGeom>
             <a:noFill/>
           </p:spPr>
         </p:pic>
@@ -7221,11 +8380,13 @@
             <p:nvPr/>
           </p:nvSpPr>
           <p:spPr>
-            <a:xfrm rot="0">
+            <a:xfrm>
               <a:off x="3641090" y="5576570"/>
               <a:ext cx="1858010" cy="508635"/>
             </a:xfrm>
-            <a:prstGeom prst="rect"/>
+            <a:prstGeom prst="rect">
+              <a:avLst/>
+            </a:prstGeom>
             <a:noFill/>
             <a:ln w="0">
               <a:noFill/>
@@ -7233,7 +8394,7 @@
             </a:ln>
           </p:spPr>
           <p:txBody>
-            <a:bodyPr wrap="square" lIns="89535" tIns="46355" rIns="89535" bIns="46355" vert="horz" anchor="t">
+            <a:bodyPr vert="horz" wrap="square" lIns="89535" tIns="46355" rIns="89535" bIns="46355" anchor="t">
               <a:spAutoFit/>
             </a:bodyPr>
             <a:lstStyle/>
@@ -7264,11 +8425,13 @@
             <p:nvPr/>
           </p:nvCxnSpPr>
           <p:spPr>
-            <a:xfrm rot="0">
+            <a:xfrm>
               <a:off x="3302000" y="5393055"/>
               <a:ext cx="5123180" cy="635"/>
             </a:xfrm>
-            <a:prstGeom prst="line"/>
+            <a:prstGeom prst="line">
+              <a:avLst/>
+            </a:prstGeom>
             <a:ln w="6350" cap="flat" cmpd="sng">
               <a:solidFill>
                 <a:schemeClr val="bg2">
@@ -7318,11 +8481,13 @@
           </a:stretch>
         </p:blipFill>
         <p:spPr>
-          <a:xfrm rot="0">
+          <a:xfrm>
             <a:off x="3390900" y="2112010"/>
             <a:ext cx="4743450" cy="3007995"/>
           </a:xfrm>
-          <a:prstGeom prst="rect"/>
+          <a:prstGeom prst="rect">
+            <a:avLst/>
+          </a:prstGeom>
           <a:noFill/>
         </p:spPr>
       </p:pic>
@@ -7347,11 +8512,13 @@
           </a:stretch>
         </p:blipFill>
         <p:spPr>
-          <a:xfrm rot="0">
+          <a:xfrm>
             <a:off x="3350895" y="1345565"/>
             <a:ext cx="1553210" cy="695960"/>
           </a:xfrm>
-          <a:prstGeom prst="rect"/>
+          <a:prstGeom prst="rect">
+            <a:avLst/>
+          </a:prstGeom>
           <a:noFill/>
         </p:spPr>
       </p:pic>
@@ -7362,7 +8529,7 @@
           <p:nvPr/>
         </p:nvGrpSpPr>
         <p:grpSpPr>
-          <a:xfrm rot="0">
+          <a:xfrm>
             <a:off x="3726815" y="989330"/>
             <a:ext cx="1216025" cy="295910"/>
             <a:chOff x="3726815" y="989330"/>
@@ -7378,11 +8545,13 @@
             <p:nvPr/>
           </p:nvSpPr>
           <p:spPr>
-            <a:xfrm rot="0">
+            <a:xfrm>
               <a:off x="3894455" y="1005205"/>
               <a:ext cx="1048385" cy="254635"/>
             </a:xfrm>
-            <a:prstGeom prst="rect"/>
+            <a:prstGeom prst="rect">
+              <a:avLst/>
+            </a:prstGeom>
             <a:solidFill>
               <a:schemeClr val="bg1"/>
             </a:solidFill>
@@ -7408,7 +8577,7 @@
             </a:fontRef>
           </p:style>
           <p:txBody>
-            <a:bodyPr wrap="square" lIns="91440" tIns="45720" rIns="91440" bIns="45720" vert="horz" anchor="ctr">
+            <a:bodyPr vert="horz" wrap="square" lIns="91440" tIns="45720" rIns="91440" bIns="45720" anchor="ctr">
               <a:noAutofit/>
             </a:bodyPr>
             <a:lstStyle/>
@@ -7442,11 +8611,13 @@
             </a:stretch>
           </p:blipFill>
           <p:spPr>
-            <a:xfrm rot="0">
+            <a:xfrm>
               <a:off x="3726815" y="989330"/>
               <a:ext cx="400685" cy="295910"/>
             </a:xfrm>
-            <a:prstGeom prst="rect"/>
+            <a:prstGeom prst="rect">
+              <a:avLst/>
+            </a:prstGeom>
             <a:noFill/>
           </p:spPr>
         </p:pic>
@@ -7472,11 +8643,13 @@
           </a:stretch>
         </p:blipFill>
         <p:spPr>
-          <a:xfrm rot="0">
+          <a:xfrm>
             <a:off x="7590155" y="5440680"/>
             <a:ext cx="610235" cy="400685"/>
           </a:xfrm>
-          <a:prstGeom prst="rect"/>
+          <a:prstGeom prst="rect">
+            <a:avLst/>
+          </a:prstGeom>
           <a:noFill/>
         </p:spPr>
       </p:pic>
@@ -7501,11 +8674,13 @@
           </a:stretch>
         </p:blipFill>
         <p:spPr>
-          <a:xfrm rot="0">
+          <a:xfrm>
             <a:off x="3967480" y="1830705"/>
             <a:ext cx="76835" cy="124460"/>
           </a:xfrm>
-          <a:prstGeom prst="rect"/>
+          <a:prstGeom prst="rect">
+            <a:avLst/>
+          </a:prstGeom>
           <a:noFill/>
         </p:spPr>
       </p:pic>
@@ -7518,15 +8693,17 @@
           <p:nvPr/>
         </p:nvSpPr>
         <p:spPr>
-          <a:xfrm rot="0">
+          <a:xfrm>
             <a:off x="4834255" y="1551305"/>
             <a:ext cx="2699385" cy="277495"/>
           </a:xfrm>
-          <a:prstGeom prst="rect"/>
+          <a:prstGeom prst="rect">
+            <a:avLst/>
+          </a:prstGeom>
           <a:noFill/>
         </p:spPr>
         <p:txBody>
-          <a:bodyPr wrap="square" lIns="0" tIns="0" rIns="0" bIns="0" vert="horz" anchor="t">
+          <a:bodyPr vert="horz" wrap="square" lIns="0" tIns="0" rIns="0" bIns="0" anchor="t">
             <a:noAutofit/>
           </a:bodyPr>
           <a:lstStyle/>
@@ -7550,7 +8727,7 @@
           <p:nvPr/>
         </p:nvGrpSpPr>
         <p:grpSpPr>
-          <a:xfrm rot="0">
+          <a:xfrm>
             <a:off x="0" y="27305"/>
             <a:ext cx="12218035" cy="581660"/>
             <a:chOff x="0" y="27305"/>
@@ -7579,11 +8756,13 @@
             </a:stretch>
           </p:blipFill>
           <p:spPr>
-            <a:xfrm rot="0">
+            <a:xfrm>
               <a:off x="0" y="27305"/>
               <a:ext cx="12218035" cy="581660"/>
             </a:xfrm>
-            <a:prstGeom prst="rect"/>
+            <a:prstGeom prst="rect">
+              <a:avLst/>
+            </a:prstGeom>
             <a:noFill/>
           </p:spPr>
         </p:pic>
@@ -7596,15 +8775,17 @@
             <p:nvPr/>
           </p:nvSpPr>
           <p:spPr>
-            <a:xfrm rot="0">
+            <a:xfrm>
               <a:off x="9972675" y="246380"/>
               <a:ext cx="1560830" cy="139065"/>
             </a:xfrm>
-            <a:prstGeom prst="rect"/>
+            <a:prstGeom prst="rect">
+              <a:avLst/>
+            </a:prstGeom>
             <a:noFill/>
           </p:spPr>
           <p:txBody>
-            <a:bodyPr wrap="square" lIns="0" tIns="0" rIns="0" bIns="0" vert="horz" anchor="t">
+            <a:bodyPr vert="horz" wrap="square" lIns="0" tIns="0" rIns="0" bIns="0" anchor="t">
               <a:noAutofit/>
             </a:bodyPr>
             <a:lstStyle/>
@@ -7630,11 +8811,11 @@
   <p:clrMapOvr>
     <a:masterClrMapping/>
   </p:clrMapOvr>
-  <mc:AlternateContent xmlns:mc="http://schemas.openxmlformats.org/markup-compatibility/2006">
-    <mc:Choice xmlns:p14="http://schemas.microsoft.com/office/powerpoint/2010/main" Requires="p14">
+  <mc:AlternateContent xmlns:mc="http://schemas.openxmlformats.org/markup-compatibility/2006" xmlns:p14="http://schemas.microsoft.com/office/powerpoint/2010/main">
+    <mc:Choice Requires="p14">
       <p:transition spd="slow" p14:dur="2000"/>
     </mc:Choice>
-    <mc:Fallback>
+    <mc:Fallback xmlns="">
       <p:transition spd="slow"/>
     </mc:Fallback>
   </mc:AlternateContent>
